--- a/20_CSS.pptx
+++ b/20_CSS.pptx
@@ -5,29 +5,28 @@
     <p:sldMasterId id="2147483648" r:id="rId1"/>
   </p:sldMasterIdLst>
   <p:notesMasterIdLst>
-    <p:notesMasterId r:id="rId22"/>
+    <p:notesMasterId r:id="rId21"/>
   </p:notesMasterIdLst>
   <p:sldIdLst>
     <p:sldId id="256" r:id="rId2"/>
     <p:sldId id="263" r:id="rId3"/>
-    <p:sldId id="264" r:id="rId4"/>
-    <p:sldId id="266" r:id="rId5"/>
-    <p:sldId id="267" r:id="rId6"/>
-    <p:sldId id="265" r:id="rId7"/>
-    <p:sldId id="268" r:id="rId8"/>
-    <p:sldId id="269" r:id="rId9"/>
-    <p:sldId id="270" r:id="rId10"/>
-    <p:sldId id="271" r:id="rId11"/>
-    <p:sldId id="272" r:id="rId12"/>
-    <p:sldId id="273" r:id="rId13"/>
-    <p:sldId id="274" r:id="rId14"/>
-    <p:sldId id="275" r:id="rId15"/>
-    <p:sldId id="276" r:id="rId16"/>
-    <p:sldId id="277" r:id="rId17"/>
-    <p:sldId id="279" r:id="rId18"/>
-    <p:sldId id="280" r:id="rId19"/>
-    <p:sldId id="278" r:id="rId20"/>
-    <p:sldId id="259" r:id="rId21"/>
+    <p:sldId id="266" r:id="rId4"/>
+    <p:sldId id="267" r:id="rId5"/>
+    <p:sldId id="265" r:id="rId6"/>
+    <p:sldId id="268" r:id="rId7"/>
+    <p:sldId id="269" r:id="rId8"/>
+    <p:sldId id="270" r:id="rId9"/>
+    <p:sldId id="271" r:id="rId10"/>
+    <p:sldId id="272" r:id="rId11"/>
+    <p:sldId id="273" r:id="rId12"/>
+    <p:sldId id="274" r:id="rId13"/>
+    <p:sldId id="275" r:id="rId14"/>
+    <p:sldId id="276" r:id="rId15"/>
+    <p:sldId id="277" r:id="rId16"/>
+    <p:sldId id="279" r:id="rId17"/>
+    <p:sldId id="280" r:id="rId18"/>
+    <p:sldId id="278" r:id="rId19"/>
+    <p:sldId id="259" r:id="rId20"/>
   </p:sldIdLst>
   <p:sldSz cx="9144000" cy="6858000" type="screen4x3"/>
   <p:notesSz cx="6858000" cy="9144000"/>
@@ -228,7 +227,7 @@
             <a:fld id="{6837EDA8-41C8-4B24-A206-13C08A65A6D7}" type="datetimeFigureOut">
               <a:rPr lang="zh-TW" altLang="en-US" smtClean="0"/>
               <a:pPr/>
-              <a:t>2020/4/5</a:t>
+              <a:t>2020/5/17</a:t>
             </a:fld>
             <a:endParaRPr lang="zh-TW" altLang="en-US"/>
           </a:p>
@@ -681,7 +680,7 @@
             <a:fld id="{8B85509C-BD4F-47BF-9B1E-FC2E949B3621}" type="datetime1">
               <a:rPr lang="zh-TW" altLang="en-US" smtClean="0"/>
               <a:pPr/>
-              <a:t>2020/4/5</a:t>
+              <a:t>2020/5/17</a:t>
             </a:fld>
             <a:endParaRPr lang="zh-TW" altLang="en-US"/>
           </a:p>
@@ -854,7 +853,7 @@
             <a:fld id="{42251B24-F787-4C15-8A0F-7AEC20C70069}" type="datetime1">
               <a:rPr lang="zh-TW" altLang="en-US" smtClean="0"/>
               <a:pPr/>
-              <a:t>2020/4/5</a:t>
+              <a:t>2020/5/17</a:t>
             </a:fld>
             <a:endParaRPr lang="zh-TW" altLang="en-US"/>
           </a:p>
@@ -1029,7 +1028,7 @@
             <a:fld id="{9CA0D33C-CE2B-45F1-B8D4-FFD1F131F331}" type="datetime1">
               <a:rPr lang="zh-TW" altLang="en-US" smtClean="0"/>
               <a:pPr/>
-              <a:t>2020/4/5</a:t>
+              <a:t>2020/5/17</a:t>
             </a:fld>
             <a:endParaRPr lang="zh-TW" altLang="en-US"/>
           </a:p>
@@ -1194,7 +1193,7 @@
             <a:fld id="{50B99440-D9EF-40CC-9B52-F6428D9B2C76}" type="datetime1">
               <a:rPr lang="zh-TW" altLang="en-US" smtClean="0"/>
               <a:pPr/>
-              <a:t>2020/4/5</a:t>
+              <a:t>2020/5/17</a:t>
             </a:fld>
             <a:endParaRPr lang="zh-TW" altLang="en-US"/>
           </a:p>
@@ -1436,7 +1435,7 @@
             <a:fld id="{0871BF52-5C6C-4959-8E27-CECB68D39FE4}" type="datetime1">
               <a:rPr lang="zh-TW" altLang="en-US" smtClean="0"/>
               <a:pPr/>
-              <a:t>2020/4/5</a:t>
+              <a:t>2020/5/17</a:t>
             </a:fld>
             <a:endParaRPr lang="zh-TW" altLang="en-US"/>
           </a:p>
@@ -1718,7 +1717,7 @@
             <a:fld id="{DF863F05-2DD9-4EB1-A827-12FD992DE9DC}" type="datetime1">
               <a:rPr lang="zh-TW" altLang="en-US" smtClean="0"/>
               <a:pPr/>
-              <a:t>2020/4/5</a:t>
+              <a:t>2020/5/17</a:t>
             </a:fld>
             <a:endParaRPr lang="zh-TW" altLang="en-US"/>
           </a:p>
@@ -2134,7 +2133,7 @@
             <a:fld id="{6339AF51-4491-4873-A096-75DB6CE47516}" type="datetime1">
               <a:rPr lang="zh-TW" altLang="en-US" smtClean="0"/>
               <a:pPr/>
-              <a:t>2020/4/5</a:t>
+              <a:t>2020/5/17</a:t>
             </a:fld>
             <a:endParaRPr lang="zh-TW" altLang="en-US"/>
           </a:p>
@@ -2248,7 +2247,7 @@
             <a:fld id="{EE4AD9C8-8B9E-40FF-ABE2-858AC2057BBB}" type="datetime1">
               <a:rPr lang="zh-TW" altLang="en-US" smtClean="0"/>
               <a:pPr/>
-              <a:t>2020/4/5</a:t>
+              <a:t>2020/5/17</a:t>
             </a:fld>
             <a:endParaRPr lang="zh-TW" altLang="en-US"/>
           </a:p>
@@ -2340,7 +2339,7 @@
             <a:fld id="{B4784999-BBBE-4BE4-A8D0-877E7D1D66CC}" type="datetime1">
               <a:rPr lang="zh-TW" altLang="en-US" smtClean="0"/>
               <a:pPr/>
-              <a:t>2020/4/5</a:t>
+              <a:t>2020/5/17</a:t>
             </a:fld>
             <a:endParaRPr lang="zh-TW" altLang="en-US"/>
           </a:p>
@@ -2612,7 +2611,7 @@
             <a:fld id="{E88D17E6-02BD-4944-B9FE-7BFCCBF83D48}" type="datetime1">
               <a:rPr lang="zh-TW" altLang="en-US" smtClean="0"/>
               <a:pPr/>
-              <a:t>2020/4/5</a:t>
+              <a:t>2020/5/17</a:t>
             </a:fld>
             <a:endParaRPr lang="zh-TW" altLang="en-US"/>
           </a:p>
@@ -2861,7 +2860,7 @@
             <a:fld id="{3C13E23D-1FEF-4D78-A3A3-3D6F2BB31954}" type="datetime1">
               <a:rPr lang="zh-TW" altLang="en-US" smtClean="0"/>
               <a:pPr/>
-              <a:t>2020/4/5</a:t>
+              <a:t>2020/5/17</a:t>
             </a:fld>
             <a:endParaRPr lang="zh-TW" altLang="en-US"/>
           </a:p>
@@ -3069,7 +3068,7 @@
             <a:fld id="{06197F35-AD6F-4594-8B50-334492D2E7E8}" type="datetime1">
               <a:rPr lang="zh-TW" altLang="en-US" smtClean="0"/>
               <a:pPr/>
-              <a:t>2020/4/5</a:t>
+              <a:t>2020/5/17</a:t>
             </a:fld>
             <a:endParaRPr lang="zh-TW" altLang="en-US"/>
           </a:p>
@@ -3530,7 +3529,7 @@
             <a:fld id="{C389EDC9-19E3-47AC-9C57-C6A24DEA81AD}" type="datetime1">
               <a:rPr lang="zh-TW" altLang="en-US" smtClean="0"/>
               <a:pPr/>
-              <a:t>2020/4/5</a:t>
+              <a:t>2020/5/17</a:t>
             </a:fld>
             <a:endParaRPr lang="zh-TW" altLang="en-US"/>
           </a:p>
@@ -3629,6 +3628,157 @@
         </p:nvSpPr>
         <p:spPr>
           <a:xfrm>
+            <a:off x="0" y="2130425"/>
+            <a:ext cx="9144000" cy="1470025"/>
+          </a:xfrm>
+          <a:solidFill>
+            <a:srgbClr val="00B0F0"/>
+          </a:solidFill>
+        </p:spPr>
+        <p:txBody>
+          <a:bodyPr>
+            <a:normAutofit/>
+          </a:bodyPr>
+          <a:lstStyle/>
+          <a:p>
+            <a:r>
+              <a:rPr lang="en-US" altLang="zh-TW" sz="4800" b="1" dirty="0">
+                <a:solidFill>
+                  <a:srgbClr val="FFFF00"/>
+                </a:solidFill>
+              </a:rPr>
+              <a:t>20.2 Literal Template</a:t>
+            </a:r>
+            <a:endParaRPr lang="zh-TW" altLang="en-US" sz="4800" b="1" dirty="0">
+              <a:solidFill>
+                <a:srgbClr val="FFFF00"/>
+              </a:solidFill>
+            </a:endParaRPr>
+          </a:p>
+        </p:txBody>
+      </p:sp>
+      <p:sp>
+        <p:nvSpPr>
+          <p:cNvPr id="5" name="日期版面配置區 4"/>
+          <p:cNvSpPr>
+            <a:spLocks noGrp="1"/>
+          </p:cNvSpPr>
+          <p:nvPr>
+            <p:ph type="dt" sz="half" idx="10"/>
+          </p:nvPr>
+        </p:nvSpPr>
+        <p:spPr/>
+        <p:txBody>
+          <a:bodyPr/>
+          <a:lstStyle/>
+          <a:p>
+            <a:fld id="{C389EDC9-19E3-47AC-9C57-C6A24DEA81AD}" type="datetime1">
+              <a:rPr lang="zh-TW" altLang="en-US" smtClean="0"/>
+              <a:pPr/>
+              <a:t>2020/5/17</a:t>
+            </a:fld>
+            <a:endParaRPr lang="zh-TW" altLang="en-US"/>
+          </a:p>
+        </p:txBody>
+      </p:sp>
+      <p:sp>
+        <p:nvSpPr>
+          <p:cNvPr id="6" name="投影片編號版面配置區 5"/>
+          <p:cNvSpPr>
+            <a:spLocks noGrp="1"/>
+          </p:cNvSpPr>
+          <p:nvPr>
+            <p:ph type="sldNum" sz="quarter" idx="12"/>
+          </p:nvPr>
+        </p:nvSpPr>
+        <p:spPr/>
+        <p:txBody>
+          <a:bodyPr/>
+          <a:lstStyle/>
+          <a:p>
+            <a:fld id="{E4D7E63D-91F2-4366-A2C4-1B00C9E2590E}" type="slidenum">
+              <a:rPr lang="zh-TW" altLang="en-US" smtClean="0"/>
+              <a:pPr/>
+              <a:t>10</a:t>
+            </a:fld>
+            <a:endParaRPr lang="zh-TW" altLang="en-US"/>
+          </a:p>
+        </p:txBody>
+      </p:sp>
+      <p:pic>
+        <p:nvPicPr>
+          <p:cNvPr id="2050" name="Picture 2"/>
+          <p:cNvPicPr>
+            <a:picLocks noChangeAspect="1" noChangeArrowheads="1"/>
+          </p:cNvPicPr>
+          <p:nvPr/>
+        </p:nvPicPr>
+        <p:blipFill>
+          <a:blip r:embed="rId2" cstate="print"/>
+          <a:srcRect/>
+          <a:stretch>
+            <a:fillRect/>
+          </a:stretch>
+        </p:blipFill>
+        <p:spPr bwMode="auto">
+          <a:xfrm>
+            <a:off x="4283968" y="3717032"/>
+            <a:ext cx="713805" cy="644588"/>
+          </a:xfrm>
+          <a:prstGeom prst="rect">
+            <a:avLst/>
+          </a:prstGeom>
+          <a:noFill/>
+          <a:ln w="9525">
+            <a:noFill/>
+            <a:miter lim="800000"/>
+            <a:headEnd/>
+            <a:tailEnd/>
+          </a:ln>
+        </p:spPr>
+      </p:pic>
+    </p:spTree>
+    <p:extLst>
+      <p:ext uri="{BB962C8B-B14F-4D97-AF65-F5344CB8AC3E}">
+        <p14:creationId xmlns:p14="http://schemas.microsoft.com/office/powerpoint/2010/main" val="1821547414"/>
+      </p:ext>
+    </p:extLst>
+  </p:cSld>
+  <p:clrMapOvr>
+    <a:masterClrMapping/>
+  </p:clrMapOvr>
+</p:sld>
+</file>
+
+<file path=ppt/slides/slide11.xml><?xml version="1.0" encoding="utf-8"?>
+<p:sld xmlns:a="http://schemas.openxmlformats.org/drawingml/2006/main" xmlns:r="http://schemas.openxmlformats.org/officeDocument/2006/relationships" xmlns:p="http://schemas.openxmlformats.org/presentationml/2006/main">
+  <p:cSld>
+    <p:spTree>
+      <p:nvGrpSpPr>
+        <p:cNvPr id="1" name=""/>
+        <p:cNvGrpSpPr/>
+        <p:nvPr/>
+      </p:nvGrpSpPr>
+      <p:grpSpPr>
+        <a:xfrm>
+          <a:off x="0" y="0"/>
+          <a:ext cx="0" cy="0"/>
+          <a:chOff x="0" y="0"/>
+          <a:chExt cx="0" cy="0"/>
+        </a:xfrm>
+      </p:grpSpPr>
+      <p:sp>
+        <p:nvSpPr>
+          <p:cNvPr id="2" name="標題 1"/>
+          <p:cNvSpPr>
+            <a:spLocks noGrp="1"/>
+          </p:cNvSpPr>
+          <p:nvPr>
+            <p:ph type="ctrTitle"/>
+          </p:nvPr>
+        </p:nvSpPr>
+        <p:spPr>
+          <a:xfrm>
             <a:off x="0" y="1"/>
             <a:ext cx="9144000" cy="764704"/>
           </a:xfrm>
@@ -3672,7 +3822,7 @@
                   <a:srgbClr val="FFFF00"/>
                 </a:solidFill>
               </a:rPr>
-              <a:t>20.1 Control CSS Component</a:t>
+              <a:t>20.2 Literal Template</a:t>
             </a:r>
             <a:endParaRPr lang="zh-TW" altLang="en-US" b="1" dirty="0">
               <a:solidFill>
@@ -3743,43 +3893,7 @@
                 </a:solidFill>
                 <a:latin typeface="+mj-lt"/>
               </a:rPr>
-              <a:t>Let </a:t>
-            </a:r>
-            <a:r>
-              <a:rPr lang="en-US" altLang="zh-TW" sz="1600" b="1" dirty="0" err="1">
-                <a:solidFill>
-                  <a:schemeClr val="tx1"/>
-                </a:solidFill>
-                <a:latin typeface="+mj-lt"/>
-              </a:rPr>
-              <a:t>className</a:t>
-            </a:r>
-            <a:r>
-              <a:rPr lang="en-US" altLang="zh-TW" sz="1600" b="1" dirty="0">
-                <a:solidFill>
-                  <a:schemeClr val="tx1"/>
-                </a:solidFill>
-                <a:latin typeface="+mj-lt"/>
-              </a:rPr>
-              <a:t> = </a:t>
-            </a:r>
-            <a:r>
-              <a:rPr lang="en-US" altLang="zh-TW" sz="1600" b="1" dirty="0" err="1">
-                <a:solidFill>
-                  <a:schemeClr val="tx1"/>
-                </a:solidFill>
-                <a:latin typeface="+mj-lt"/>
-              </a:rPr>
-              <a:t>props.primary</a:t>
-            </a:r>
-            <a:r>
-              <a:rPr lang="en-US" altLang="zh-TW" sz="1600" b="1" dirty="0">
-                <a:solidFill>
-                  <a:schemeClr val="tx1"/>
-                </a:solidFill>
-                <a:latin typeface="+mj-lt"/>
-              </a:rPr>
-              <a:t> ? ‘primary’ : ‘’</a:t>
+              <a:t>Create another class .font-xl { font-size: 72px; }</a:t>
             </a:r>
           </a:p>
         </p:txBody>
@@ -3866,7 +3980,7 @@
             <a:fld id="{A4F910E6-8D00-4BAF-8C48-9688E0B449D3}" type="datetime1">
               <a:rPr lang="zh-TW" altLang="en-US" smtClean="0"/>
               <a:pPr/>
-              <a:t>2020/4/5</a:t>
+              <a:t>2020/5/17</a:t>
             </a:fld>
             <a:endParaRPr lang="zh-TW" altLang="en-US"/>
           </a:p>
@@ -3895,7 +4009,7 @@
             <a:fld id="{E4D7E63D-91F2-4366-A2C4-1B00C9E2590E}" type="slidenum">
               <a:rPr lang="zh-TW" altLang="en-US" smtClean="0"/>
               <a:pPr/>
-              <a:t>10</a:t>
+              <a:t>11</a:t>
             </a:fld>
             <a:endParaRPr lang="zh-TW" altLang="en-US"/>
           </a:p>
@@ -3906,7 +4020,7 @@
           <p:cNvPr id="8" name="Picture 7">
             <a:extLst>
               <a:ext uri="{FF2B5EF4-FFF2-40B4-BE49-F238E27FC236}">
-                <a16:creationId xmlns:a16="http://schemas.microsoft.com/office/drawing/2014/main" id="{49ED0234-149D-4C27-9E92-BB69ED22A10A}"/>
+                <a16:creationId xmlns:a16="http://schemas.microsoft.com/office/drawing/2014/main" id="{114B4955-1D16-4708-A7EF-967C58C3AD15}"/>
               </a:ext>
             </a:extLst>
           </p:cNvPr>
@@ -3923,8 +4037,8 @@
         </p:blipFill>
         <p:spPr>
           <a:xfrm>
-            <a:off x="352424" y="2227911"/>
-            <a:ext cx="4981575" cy="3105150"/>
+            <a:off x="1619250" y="2341699"/>
+            <a:ext cx="2952750" cy="1866900"/>
           </a:xfrm>
           <a:prstGeom prst="rect">
             <a:avLst/>
@@ -3936,593 +4050,10 @@
           </a:ln>
         </p:spPr>
       </p:pic>
-      <p:sp>
-        <p:nvSpPr>
-          <p:cNvPr id="9" name="Rectangle 8">
-            <a:extLst>
-              <a:ext uri="{FF2B5EF4-FFF2-40B4-BE49-F238E27FC236}">
-                <a16:creationId xmlns:a16="http://schemas.microsoft.com/office/drawing/2014/main" id="{9EEF46CB-D215-4230-A74D-4C3011099F56}"/>
-              </a:ext>
-            </a:extLst>
-          </p:cNvPr>
-          <p:cNvSpPr/>
-          <p:nvPr/>
-        </p:nvSpPr>
-        <p:spPr>
-          <a:xfrm>
-            <a:off x="2416696" y="3915511"/>
-            <a:ext cx="936104" cy="288032"/>
-          </a:xfrm>
-          <a:prstGeom prst="rect">
-            <a:avLst/>
-          </a:prstGeom>
-          <a:noFill/>
-          <a:ln>
-            <a:solidFill>
-              <a:srgbClr val="C00000"/>
-            </a:solidFill>
-          </a:ln>
-        </p:spPr>
-        <p:style>
-          <a:lnRef idx="2">
-            <a:schemeClr val="accent1">
-              <a:shade val="50000"/>
-            </a:schemeClr>
-          </a:lnRef>
-          <a:fillRef idx="1">
-            <a:schemeClr val="accent1"/>
-          </a:fillRef>
-          <a:effectRef idx="0">
-            <a:schemeClr val="accent1"/>
-          </a:effectRef>
-          <a:fontRef idx="minor">
-            <a:schemeClr val="lt1"/>
-          </a:fontRef>
-        </p:style>
-        <p:txBody>
-          <a:bodyPr rtlCol="0" anchor="ctr"/>
-          <a:lstStyle/>
-          <a:p>
-            <a:pPr algn="ctr"/>
-            <a:endParaRPr lang="en-US"/>
-          </a:p>
-        </p:txBody>
-      </p:sp>
-      <p:sp>
-        <p:nvSpPr>
-          <p:cNvPr id="10" name="Rectangle 9">
-            <a:extLst>
-              <a:ext uri="{FF2B5EF4-FFF2-40B4-BE49-F238E27FC236}">
-                <a16:creationId xmlns:a16="http://schemas.microsoft.com/office/drawing/2014/main" id="{1DA55D33-552D-4C53-A930-E7D54C28D83F}"/>
-              </a:ext>
-            </a:extLst>
-          </p:cNvPr>
-          <p:cNvSpPr/>
-          <p:nvPr/>
-        </p:nvSpPr>
-        <p:spPr>
-          <a:xfrm>
-            <a:off x="1192560" y="3398966"/>
-            <a:ext cx="3528392" cy="288032"/>
-          </a:xfrm>
-          <a:prstGeom prst="rect">
-            <a:avLst/>
-          </a:prstGeom>
-          <a:noFill/>
-          <a:ln>
-            <a:solidFill>
-              <a:srgbClr val="C00000"/>
-            </a:solidFill>
-          </a:ln>
-        </p:spPr>
-        <p:style>
-          <a:lnRef idx="2">
-            <a:schemeClr val="accent1">
-              <a:shade val="50000"/>
-            </a:schemeClr>
-          </a:lnRef>
-          <a:fillRef idx="1">
-            <a:schemeClr val="accent1"/>
-          </a:fillRef>
-          <a:effectRef idx="0">
-            <a:schemeClr val="accent1"/>
-          </a:effectRef>
-          <a:fontRef idx="minor">
-            <a:schemeClr val="lt1"/>
-          </a:fontRef>
-        </p:style>
-        <p:txBody>
-          <a:bodyPr rtlCol="0" anchor="ctr"/>
-          <a:lstStyle/>
-          <a:p>
-            <a:pPr algn="ctr"/>
-            <a:endParaRPr lang="en-US"/>
-          </a:p>
-        </p:txBody>
-      </p:sp>
-      <p:cxnSp>
-        <p:nvCxnSpPr>
-          <p:cNvPr id="12" name="Straight Arrow Connector 11">
-            <a:extLst>
-              <a:ext uri="{FF2B5EF4-FFF2-40B4-BE49-F238E27FC236}">
-                <a16:creationId xmlns:a16="http://schemas.microsoft.com/office/drawing/2014/main" id="{33D4FAF3-5F28-43C9-9A98-E9C105BF6E4D}"/>
-              </a:ext>
-            </a:extLst>
-          </p:cNvPr>
-          <p:cNvCxnSpPr>
-            <a:stCxn id="10" idx="2"/>
-            <a:endCxn id="9" idx="0"/>
-          </p:cNvCxnSpPr>
-          <p:nvPr/>
-        </p:nvCxnSpPr>
-        <p:spPr>
-          <a:xfrm flipH="1">
-            <a:off x="2884748" y="3686998"/>
-            <a:ext cx="72008" cy="228513"/>
-          </a:xfrm>
-          <a:prstGeom prst="straightConnector1">
-            <a:avLst/>
-          </a:prstGeom>
-          <a:ln>
-            <a:solidFill>
-              <a:srgbClr val="C00000"/>
-            </a:solidFill>
-            <a:tailEnd type="triangle"/>
-          </a:ln>
-        </p:spPr>
-        <p:style>
-          <a:lnRef idx="1">
-            <a:schemeClr val="accent1"/>
-          </a:lnRef>
-          <a:fillRef idx="0">
-            <a:schemeClr val="accent1"/>
-          </a:fillRef>
-          <a:effectRef idx="0">
-            <a:schemeClr val="accent1"/>
-          </a:effectRef>
-          <a:fontRef idx="minor">
-            <a:schemeClr val="tx1"/>
-          </a:fontRef>
-        </p:style>
-      </p:cxnSp>
-      <p:pic>
-        <p:nvPicPr>
-          <p:cNvPr id="13" name="Picture 12">
-            <a:extLst>
-              <a:ext uri="{FF2B5EF4-FFF2-40B4-BE49-F238E27FC236}">
-                <a16:creationId xmlns:a16="http://schemas.microsoft.com/office/drawing/2014/main" id="{EFAF358E-B4AA-43AD-8E3B-326EF0C4570F}"/>
-              </a:ext>
-            </a:extLst>
-          </p:cNvPr>
-          <p:cNvPicPr>
-            <a:picLocks noChangeAspect="1"/>
-          </p:cNvPicPr>
-          <p:nvPr/>
-        </p:nvPicPr>
-        <p:blipFill>
-          <a:blip r:embed="rId4"/>
-          <a:stretch>
-            <a:fillRect/>
-          </a:stretch>
-        </p:blipFill>
-        <p:spPr>
-          <a:xfrm>
-            <a:off x="5554924" y="2187319"/>
-            <a:ext cx="3182863" cy="1147606"/>
-          </a:xfrm>
-          <a:prstGeom prst="rect">
-            <a:avLst/>
-          </a:prstGeom>
-          <a:ln>
-            <a:solidFill>
-              <a:srgbClr val="C00000"/>
-            </a:solidFill>
-          </a:ln>
-        </p:spPr>
-      </p:pic>
-      <p:pic>
-        <p:nvPicPr>
-          <p:cNvPr id="14" name="Picture 13">
-            <a:extLst>
-              <a:ext uri="{FF2B5EF4-FFF2-40B4-BE49-F238E27FC236}">
-                <a16:creationId xmlns:a16="http://schemas.microsoft.com/office/drawing/2014/main" id="{99C40281-B479-4BA7-9EBE-A3F44E29B029}"/>
-              </a:ext>
-            </a:extLst>
-          </p:cNvPr>
-          <p:cNvPicPr>
-            <a:picLocks noChangeAspect="1"/>
-          </p:cNvPicPr>
-          <p:nvPr/>
-        </p:nvPicPr>
-        <p:blipFill>
-          <a:blip r:embed="rId5"/>
-          <a:stretch>
-            <a:fillRect/>
-          </a:stretch>
-        </p:blipFill>
-        <p:spPr>
-          <a:xfrm>
-            <a:off x="5554923" y="3542982"/>
-            <a:ext cx="3182863" cy="1223691"/>
-          </a:xfrm>
-          <a:prstGeom prst="rect">
-            <a:avLst/>
-          </a:prstGeom>
-          <a:ln>
-            <a:solidFill>
-              <a:srgbClr val="C00000"/>
-            </a:solidFill>
-          </a:ln>
-        </p:spPr>
-      </p:pic>
-      <p:cxnSp>
-        <p:nvCxnSpPr>
-          <p:cNvPr id="16" name="Straight Arrow Connector 15">
-            <a:extLst>
-              <a:ext uri="{FF2B5EF4-FFF2-40B4-BE49-F238E27FC236}">
-                <a16:creationId xmlns:a16="http://schemas.microsoft.com/office/drawing/2014/main" id="{157D6CF3-6B00-4217-A5C0-A134B2D394E4}"/>
-              </a:ext>
-            </a:extLst>
-          </p:cNvPr>
-          <p:cNvCxnSpPr>
-            <a:cxnSpLocks/>
-            <a:stCxn id="9" idx="3"/>
-            <a:endCxn id="13" idx="1"/>
-          </p:cNvCxnSpPr>
-          <p:nvPr/>
-        </p:nvCxnSpPr>
-        <p:spPr>
-          <a:xfrm flipV="1">
-            <a:off x="3352800" y="2761122"/>
-            <a:ext cx="2202124" cy="1298405"/>
-          </a:xfrm>
-          <a:prstGeom prst="straightConnector1">
-            <a:avLst/>
-          </a:prstGeom>
-          <a:ln>
-            <a:tailEnd type="triangle"/>
-          </a:ln>
-        </p:spPr>
-        <p:style>
-          <a:lnRef idx="1">
-            <a:schemeClr val="accent1"/>
-          </a:lnRef>
-          <a:fillRef idx="0">
-            <a:schemeClr val="accent1"/>
-          </a:fillRef>
-          <a:effectRef idx="0">
-            <a:schemeClr val="accent1"/>
-          </a:effectRef>
-          <a:fontRef idx="minor">
-            <a:schemeClr val="tx1"/>
-          </a:fontRef>
-        </p:style>
-      </p:cxnSp>
-      <p:cxnSp>
-        <p:nvCxnSpPr>
-          <p:cNvPr id="19" name="Straight Arrow Connector 18">
-            <a:extLst>
-              <a:ext uri="{FF2B5EF4-FFF2-40B4-BE49-F238E27FC236}">
-                <a16:creationId xmlns:a16="http://schemas.microsoft.com/office/drawing/2014/main" id="{0153DAC8-6AC4-40EA-B7F5-BE6F1C9A1E49}"/>
-              </a:ext>
-            </a:extLst>
-          </p:cNvPr>
-          <p:cNvCxnSpPr>
-            <a:endCxn id="14" idx="1"/>
-          </p:cNvCxnSpPr>
-          <p:nvPr/>
-        </p:nvCxnSpPr>
-        <p:spPr>
-          <a:xfrm>
-            <a:off x="3352800" y="4077072"/>
-            <a:ext cx="2202123" cy="77756"/>
-          </a:xfrm>
-          <a:prstGeom prst="straightConnector1">
-            <a:avLst/>
-          </a:prstGeom>
-          <a:ln>
-            <a:tailEnd type="triangle"/>
-          </a:ln>
-        </p:spPr>
-        <p:style>
-          <a:lnRef idx="1">
-            <a:schemeClr val="accent1"/>
-          </a:lnRef>
-          <a:fillRef idx="0">
-            <a:schemeClr val="accent1"/>
-          </a:fillRef>
-          <a:effectRef idx="0">
-            <a:schemeClr val="accent1"/>
-          </a:effectRef>
-          <a:fontRef idx="minor">
-            <a:schemeClr val="tx1"/>
-          </a:fontRef>
-        </p:style>
-      </p:cxnSp>
-      <p:sp>
-        <p:nvSpPr>
-          <p:cNvPr id="20" name="Rectangle 19">
-            <a:extLst>
-              <a:ext uri="{FF2B5EF4-FFF2-40B4-BE49-F238E27FC236}">
-                <a16:creationId xmlns:a16="http://schemas.microsoft.com/office/drawing/2014/main" id="{B77646A8-C2DF-4512-B66C-9EAC8FD33F1C}"/>
-              </a:ext>
-            </a:extLst>
-          </p:cNvPr>
-          <p:cNvSpPr/>
-          <p:nvPr/>
-        </p:nvSpPr>
-        <p:spPr>
-          <a:xfrm>
-            <a:off x="2633198" y="2055251"/>
-            <a:ext cx="2700801" cy="628257"/>
-          </a:xfrm>
-          <a:prstGeom prst="rect">
-            <a:avLst/>
-          </a:prstGeom>
-          <a:solidFill>
-            <a:schemeClr val="bg1"/>
-          </a:solidFill>
-          <a:ln>
-            <a:solidFill>
-              <a:srgbClr val="C00000"/>
-            </a:solidFill>
-          </a:ln>
-        </p:spPr>
-        <p:style>
-          <a:lnRef idx="2">
-            <a:schemeClr val="accent1">
-              <a:shade val="50000"/>
-            </a:schemeClr>
-          </a:lnRef>
-          <a:fillRef idx="1">
-            <a:schemeClr val="accent1"/>
-          </a:fillRef>
-          <a:effectRef idx="0">
-            <a:schemeClr val="accent1"/>
-          </a:effectRef>
-          <a:fontRef idx="minor">
-            <a:schemeClr val="lt1"/>
-          </a:fontRef>
-        </p:style>
-        <p:txBody>
-          <a:bodyPr rtlCol="0" anchor="ctr"/>
-          <a:lstStyle/>
-          <a:p>
-            <a:r>
-              <a:rPr lang="en-US" dirty="0" err="1">
-                <a:solidFill>
-                  <a:schemeClr val="tx1"/>
-                </a:solidFill>
-              </a:rPr>
-              <a:t>props.primary</a:t>
-            </a:r>
-            <a:r>
-              <a:rPr lang="en-US" dirty="0">
-                <a:solidFill>
-                  <a:schemeClr val="tx1"/>
-                </a:solidFill>
-              </a:rPr>
-              <a:t> = { true }</a:t>
-            </a:r>
-          </a:p>
-          <a:p>
-            <a:r>
-              <a:rPr lang="en-US" dirty="0" err="1">
-                <a:solidFill>
-                  <a:schemeClr val="tx1"/>
-                </a:solidFill>
-              </a:rPr>
-              <a:t>props.primary</a:t>
-            </a:r>
-            <a:r>
-              <a:rPr lang="en-US" dirty="0">
-                <a:solidFill>
-                  <a:schemeClr val="tx1"/>
-                </a:solidFill>
-              </a:rPr>
-              <a:t> = { false }</a:t>
-            </a:r>
-          </a:p>
-        </p:txBody>
-      </p:sp>
-      <p:cxnSp>
-        <p:nvCxnSpPr>
-          <p:cNvPr id="22" name="Straight Arrow Connector 21">
-            <a:extLst>
-              <a:ext uri="{FF2B5EF4-FFF2-40B4-BE49-F238E27FC236}">
-                <a16:creationId xmlns:a16="http://schemas.microsoft.com/office/drawing/2014/main" id="{A8FE18AA-7E56-4FCA-941C-759E4BD42012}"/>
-              </a:ext>
-            </a:extLst>
-          </p:cNvPr>
-          <p:cNvCxnSpPr>
-            <a:cxnSpLocks/>
-            <a:stCxn id="20" idx="2"/>
-            <a:endCxn id="10" idx="0"/>
-          </p:cNvCxnSpPr>
-          <p:nvPr/>
-        </p:nvCxnSpPr>
-        <p:spPr>
-          <a:xfrm flipH="1">
-            <a:off x="2956756" y="2683508"/>
-            <a:ext cx="1026843" cy="715458"/>
-          </a:xfrm>
-          <a:prstGeom prst="straightConnector1">
-            <a:avLst/>
-          </a:prstGeom>
-          <a:ln>
-            <a:tailEnd type="triangle"/>
-          </a:ln>
-        </p:spPr>
-        <p:style>
-          <a:lnRef idx="1">
-            <a:schemeClr val="accent1"/>
-          </a:lnRef>
-          <a:fillRef idx="0">
-            <a:schemeClr val="accent1"/>
-          </a:fillRef>
-          <a:effectRef idx="0">
-            <a:schemeClr val="accent1"/>
-          </a:effectRef>
-          <a:fontRef idx="minor">
-            <a:schemeClr val="tx1"/>
-          </a:fontRef>
-        </p:style>
-      </p:cxnSp>
     </p:spTree>
     <p:extLst>
       <p:ext uri="{BB962C8B-B14F-4D97-AF65-F5344CB8AC3E}">
-        <p14:creationId xmlns:p14="http://schemas.microsoft.com/office/powerpoint/2010/main" val="2911354282"/>
-      </p:ext>
-    </p:extLst>
-  </p:cSld>
-  <p:clrMapOvr>
-    <a:masterClrMapping/>
-  </p:clrMapOvr>
-</p:sld>
-</file>
-
-<file path=ppt/slides/slide11.xml><?xml version="1.0" encoding="utf-8"?>
-<p:sld xmlns:a="http://schemas.openxmlformats.org/drawingml/2006/main" xmlns:r="http://schemas.openxmlformats.org/officeDocument/2006/relationships" xmlns:p="http://schemas.openxmlformats.org/presentationml/2006/main">
-  <p:cSld>
-    <p:spTree>
-      <p:nvGrpSpPr>
-        <p:cNvPr id="1" name=""/>
-        <p:cNvGrpSpPr/>
-        <p:nvPr/>
-      </p:nvGrpSpPr>
-      <p:grpSpPr>
-        <a:xfrm>
-          <a:off x="0" y="0"/>
-          <a:ext cx="0" cy="0"/>
-          <a:chOff x="0" y="0"/>
-          <a:chExt cx="0" cy="0"/>
-        </a:xfrm>
-      </p:grpSpPr>
-      <p:sp>
-        <p:nvSpPr>
-          <p:cNvPr id="2" name="標題 1"/>
-          <p:cNvSpPr>
-            <a:spLocks noGrp="1"/>
-          </p:cNvSpPr>
-          <p:nvPr>
-            <p:ph type="ctrTitle"/>
-          </p:nvPr>
-        </p:nvSpPr>
-        <p:spPr>
-          <a:xfrm>
-            <a:off x="0" y="2130425"/>
-            <a:ext cx="9144000" cy="1470025"/>
-          </a:xfrm>
-          <a:solidFill>
-            <a:srgbClr val="00B0F0"/>
-          </a:solidFill>
-        </p:spPr>
-        <p:txBody>
-          <a:bodyPr>
-            <a:normAutofit/>
-          </a:bodyPr>
-          <a:lstStyle/>
-          <a:p>
-            <a:r>
-              <a:rPr lang="en-US" altLang="zh-TW" sz="4800" b="1" dirty="0">
-                <a:solidFill>
-                  <a:srgbClr val="FFFF00"/>
-                </a:solidFill>
-              </a:rPr>
-              <a:t>20.2 Literal Template</a:t>
-            </a:r>
-            <a:endParaRPr lang="zh-TW" altLang="en-US" sz="4800" b="1" dirty="0">
-              <a:solidFill>
-                <a:srgbClr val="FFFF00"/>
-              </a:solidFill>
-            </a:endParaRPr>
-          </a:p>
-        </p:txBody>
-      </p:sp>
-      <p:sp>
-        <p:nvSpPr>
-          <p:cNvPr id="5" name="日期版面配置區 4"/>
-          <p:cNvSpPr>
-            <a:spLocks noGrp="1"/>
-          </p:cNvSpPr>
-          <p:nvPr>
-            <p:ph type="dt" sz="half" idx="10"/>
-          </p:nvPr>
-        </p:nvSpPr>
-        <p:spPr/>
-        <p:txBody>
-          <a:bodyPr/>
-          <a:lstStyle/>
-          <a:p>
-            <a:fld id="{C389EDC9-19E3-47AC-9C57-C6A24DEA81AD}" type="datetime1">
-              <a:rPr lang="zh-TW" altLang="en-US" smtClean="0"/>
-              <a:pPr/>
-              <a:t>2020/4/5</a:t>
-            </a:fld>
-            <a:endParaRPr lang="zh-TW" altLang="en-US"/>
-          </a:p>
-        </p:txBody>
-      </p:sp>
-      <p:sp>
-        <p:nvSpPr>
-          <p:cNvPr id="6" name="投影片編號版面配置區 5"/>
-          <p:cNvSpPr>
-            <a:spLocks noGrp="1"/>
-          </p:cNvSpPr>
-          <p:nvPr>
-            <p:ph type="sldNum" sz="quarter" idx="12"/>
-          </p:nvPr>
-        </p:nvSpPr>
-        <p:spPr/>
-        <p:txBody>
-          <a:bodyPr/>
-          <a:lstStyle/>
-          <a:p>
-            <a:fld id="{E4D7E63D-91F2-4366-A2C4-1B00C9E2590E}" type="slidenum">
-              <a:rPr lang="zh-TW" altLang="en-US" smtClean="0"/>
-              <a:pPr/>
-              <a:t>11</a:t>
-            </a:fld>
-            <a:endParaRPr lang="zh-TW" altLang="en-US"/>
-          </a:p>
-        </p:txBody>
-      </p:sp>
-      <p:pic>
-        <p:nvPicPr>
-          <p:cNvPr id="2050" name="Picture 2"/>
-          <p:cNvPicPr>
-            <a:picLocks noChangeAspect="1" noChangeArrowheads="1"/>
-          </p:cNvPicPr>
-          <p:nvPr/>
-        </p:nvPicPr>
-        <p:blipFill>
-          <a:blip r:embed="rId2" cstate="print"/>
-          <a:srcRect/>
-          <a:stretch>
-            <a:fillRect/>
-          </a:stretch>
-        </p:blipFill>
-        <p:spPr bwMode="auto">
-          <a:xfrm>
-            <a:off x="4283968" y="3717032"/>
-            <a:ext cx="713805" cy="644588"/>
-          </a:xfrm>
-          <a:prstGeom prst="rect">
-            <a:avLst/>
-          </a:prstGeom>
-          <a:noFill/>
-          <a:ln w="9525">
-            <a:noFill/>
-            <a:miter lim="800000"/>
-            <a:headEnd/>
-            <a:tailEnd/>
-          </a:ln>
-        </p:spPr>
-      </p:pic>
-    </p:spTree>
-    <p:extLst>
-      <p:ext uri="{BB962C8B-B14F-4D97-AF65-F5344CB8AC3E}">
-        <p14:creationId xmlns:p14="http://schemas.microsoft.com/office/powerpoint/2010/main" val="1821547414"/>
+        <p14:creationId xmlns:p14="http://schemas.microsoft.com/office/powerpoint/2010/main" val="2141610906"/>
       </p:ext>
     </p:extLst>
   </p:cSld>
@@ -4675,7 +4206,43 @@
                 </a:solidFill>
                 <a:latin typeface="+mj-lt"/>
               </a:rPr>
-              <a:t>Create another class .font-xl { font-size: 72px; }</a:t>
+              <a:t>Use literal template </a:t>
+            </a:r>
+            <a:r>
+              <a:rPr lang="en-US" altLang="zh-TW" sz="1600" b="1" dirty="0">
+                <a:solidFill>
+                  <a:srgbClr val="C00000"/>
+                </a:solidFill>
+                <a:latin typeface="+mj-lt"/>
+              </a:rPr>
+              <a:t>(`${</a:t>
+            </a:r>
+            <a:r>
+              <a:rPr lang="en-US" altLang="zh-TW" sz="1600" b="1" dirty="0" err="1">
+                <a:solidFill>
+                  <a:srgbClr val="C00000"/>
+                </a:solidFill>
+                <a:latin typeface="+mj-lt"/>
+              </a:rPr>
+              <a:t>className</a:t>
+            </a:r>
+            <a:r>
+              <a:rPr lang="en-US" altLang="zh-TW" sz="1600" b="1" dirty="0">
+                <a:solidFill>
+                  <a:srgbClr val="C00000"/>
+                </a:solidFill>
+                <a:latin typeface="+mj-lt"/>
+              </a:rPr>
+              <a:t>} font-xl`} </a:t>
+            </a:r>
+            <a:r>
+              <a:rPr lang="en-US" altLang="zh-TW" sz="1600" b="1" dirty="0">
+                <a:solidFill>
+                  <a:schemeClr val="tx1"/>
+                </a:solidFill>
+                <a:latin typeface="+mj-lt"/>
+              </a:rPr>
+              <a:t>to control color and font size. </a:t>
             </a:r>
           </a:p>
         </p:txBody>
@@ -4762,7 +4329,7 @@
             <a:fld id="{A4F910E6-8D00-4BAF-8C48-9688E0B449D3}" type="datetime1">
               <a:rPr lang="zh-TW" altLang="en-US" smtClean="0"/>
               <a:pPr/>
-              <a:t>2020/4/5</a:t>
+              <a:t>2020/5/17</a:t>
             </a:fld>
             <a:endParaRPr lang="zh-TW" altLang="en-US"/>
           </a:p>
@@ -4799,10 +4366,10 @@
       </p:sp>
       <p:pic>
         <p:nvPicPr>
-          <p:cNvPr id="8" name="Picture 7">
+          <p:cNvPr id="7" name="Picture 6">
             <a:extLst>
               <a:ext uri="{FF2B5EF4-FFF2-40B4-BE49-F238E27FC236}">
-                <a16:creationId xmlns:a16="http://schemas.microsoft.com/office/drawing/2014/main" id="{114B4955-1D16-4708-A7EF-967C58C3AD15}"/>
+                <a16:creationId xmlns:a16="http://schemas.microsoft.com/office/drawing/2014/main" id="{03965A0B-33FE-4352-B5B1-4F5DBBCFDD3E}"/>
               </a:ext>
             </a:extLst>
           </p:cNvPr>
@@ -4819,8 +4386,8 @@
         </p:blipFill>
         <p:spPr>
           <a:xfrm>
-            <a:off x="1619250" y="2341699"/>
-            <a:ext cx="2952750" cy="1866900"/>
+            <a:off x="457200" y="2213556"/>
+            <a:ext cx="5219700" cy="3238500"/>
           </a:xfrm>
           <a:prstGeom prst="rect">
             <a:avLst/>
@@ -4832,10 +4399,97 @@
           </a:ln>
         </p:spPr>
       </p:pic>
+      <p:sp>
+        <p:nvSpPr>
+          <p:cNvPr id="15" name="Rectangle 14">
+            <a:extLst>
+              <a:ext uri="{FF2B5EF4-FFF2-40B4-BE49-F238E27FC236}">
+                <a16:creationId xmlns:a16="http://schemas.microsoft.com/office/drawing/2014/main" id="{A6D7DDBD-7074-4592-A4C5-93394FBB40A7}"/>
+              </a:ext>
+            </a:extLst>
+          </p:cNvPr>
+          <p:cNvSpPr/>
+          <p:nvPr/>
+        </p:nvSpPr>
+        <p:spPr>
+          <a:xfrm>
+            <a:off x="2699792" y="3933056"/>
+            <a:ext cx="1944216" cy="360040"/>
+          </a:xfrm>
+          <a:prstGeom prst="rect">
+            <a:avLst/>
+          </a:prstGeom>
+          <a:noFill/>
+          <a:ln>
+            <a:solidFill>
+              <a:srgbClr val="C00000"/>
+            </a:solidFill>
+          </a:ln>
+        </p:spPr>
+        <p:style>
+          <a:lnRef idx="2">
+            <a:schemeClr val="accent1">
+              <a:shade val="50000"/>
+            </a:schemeClr>
+          </a:lnRef>
+          <a:fillRef idx="1">
+            <a:schemeClr val="accent1"/>
+          </a:fillRef>
+          <a:effectRef idx="0">
+            <a:schemeClr val="accent1"/>
+          </a:effectRef>
+          <a:fontRef idx="minor">
+            <a:schemeClr val="lt1"/>
+          </a:fontRef>
+        </p:style>
+        <p:txBody>
+          <a:bodyPr rtlCol="0" anchor="ctr"/>
+          <a:lstStyle/>
+          <a:p>
+            <a:pPr algn="ctr"/>
+            <a:endParaRPr lang="en-US"/>
+          </a:p>
+        </p:txBody>
+      </p:sp>
+      <p:pic>
+        <p:nvPicPr>
+          <p:cNvPr id="17" name="Picture 16">
+            <a:extLst>
+              <a:ext uri="{FF2B5EF4-FFF2-40B4-BE49-F238E27FC236}">
+                <a16:creationId xmlns:a16="http://schemas.microsoft.com/office/drawing/2014/main" id="{A41111DA-1D8E-40D7-AD0F-949686E4C40E}"/>
+              </a:ext>
+            </a:extLst>
+          </p:cNvPr>
+          <p:cNvPicPr>
+            <a:picLocks noChangeAspect="1"/>
+          </p:cNvPicPr>
+          <p:nvPr/>
+        </p:nvPicPr>
+        <p:blipFill>
+          <a:blip r:embed="rId4"/>
+          <a:stretch>
+            <a:fillRect/>
+          </a:stretch>
+        </p:blipFill>
+        <p:spPr>
+          <a:xfrm>
+            <a:off x="3329145" y="4484256"/>
+            <a:ext cx="4695510" cy="2276340"/>
+          </a:xfrm>
+          <a:prstGeom prst="rect">
+            <a:avLst/>
+          </a:prstGeom>
+          <a:ln>
+            <a:solidFill>
+              <a:srgbClr val="C00000"/>
+            </a:solidFill>
+          </a:ln>
+        </p:spPr>
+      </p:pic>
     </p:spTree>
     <p:extLst>
       <p:ext uri="{BB962C8B-B14F-4D97-AF65-F5344CB8AC3E}">
-        <p14:creationId xmlns:p14="http://schemas.microsoft.com/office/powerpoint/2010/main" val="2141610906"/>
+        <p14:creationId xmlns:p14="http://schemas.microsoft.com/office/powerpoint/2010/main" val="1613508394"/>
       </p:ext>
     </p:extLst>
   </p:cSld>
@@ -4874,442 +4528,6 @@
         </p:nvSpPr>
         <p:spPr>
           <a:xfrm>
-            <a:off x="0" y="1"/>
-            <a:ext cx="9144000" cy="764704"/>
-          </a:xfrm>
-          <a:gradFill flip="none" rotWithShape="1">
-            <a:gsLst>
-              <a:gs pos="0">
-                <a:srgbClr val="C00000">
-                  <a:shade val="30000"/>
-                  <a:satMod val="115000"/>
-                </a:srgbClr>
-              </a:gs>
-              <a:gs pos="50000">
-                <a:srgbClr val="C00000">
-                  <a:shade val="67500"/>
-                  <a:satMod val="115000"/>
-                </a:srgbClr>
-              </a:gs>
-              <a:gs pos="100000">
-                <a:srgbClr val="C00000">
-                  <a:shade val="100000"/>
-                  <a:satMod val="115000"/>
-                </a:srgbClr>
-              </a:gs>
-            </a:gsLst>
-            <a:path path="circle">
-              <a:fillToRect t="100000" r="100000"/>
-            </a:path>
-            <a:tileRect l="-100000" b="-100000"/>
-          </a:gradFill>
-        </p:spPr>
-        <p:txBody>
-          <a:bodyPr>
-            <a:normAutofit/>
-          </a:bodyPr>
-          <a:lstStyle/>
-          <a:p>
-            <a:pPr algn="l"/>
-            <a:r>
-              <a:rPr lang="en-US" altLang="zh-TW" b="1" dirty="0">
-                <a:solidFill>
-                  <a:srgbClr val="FFFF00"/>
-                </a:solidFill>
-              </a:rPr>
-              <a:t>20.2 Literal Template</a:t>
-            </a:r>
-            <a:endParaRPr lang="zh-TW" altLang="en-US" b="1" dirty="0">
-              <a:solidFill>
-                <a:srgbClr val="FFFF00"/>
-              </a:solidFill>
-            </a:endParaRPr>
-          </a:p>
-        </p:txBody>
-      </p:sp>
-      <p:sp>
-        <p:nvSpPr>
-          <p:cNvPr id="3" name="副標題 2"/>
-          <p:cNvSpPr>
-            <a:spLocks noGrp="1"/>
-          </p:cNvSpPr>
-          <p:nvPr>
-            <p:ph type="subTitle" idx="1"/>
-          </p:nvPr>
-        </p:nvSpPr>
-        <p:spPr>
-          <a:xfrm>
-            <a:off x="467544" y="1340763"/>
-            <a:ext cx="8219256" cy="720085"/>
-          </a:xfrm>
-          <a:ln>
-            <a:solidFill>
-              <a:srgbClr val="C00000"/>
-            </a:solidFill>
-          </a:ln>
-        </p:spPr>
-        <p:txBody>
-          <a:bodyPr>
-            <a:noAutofit/>
-          </a:bodyPr>
-          <a:lstStyle/>
-          <a:p>
-            <a:pPr marL="342900" indent="-342900" algn="l">
-              <a:buClr>
-                <a:srgbClr val="0070C0"/>
-              </a:buClr>
-              <a:buSzPct val="80000"/>
-              <a:buFont typeface="Wingdings" pitchFamily="2" charset="2"/>
-              <a:buChar char="u"/>
-            </a:pPr>
-            <a:r>
-              <a:rPr lang="en-US" altLang="zh-TW" sz="1600" b="1" dirty="0">
-                <a:solidFill>
-                  <a:schemeClr val="tx1"/>
-                </a:solidFill>
-                <a:latin typeface="+mj-lt"/>
-              </a:rPr>
-              <a:t>Styling CSS Component</a:t>
-            </a:r>
-          </a:p>
-          <a:p>
-            <a:pPr marL="342900" indent="-342900" algn="l">
-              <a:buClr>
-                <a:srgbClr val="0070C0"/>
-              </a:buClr>
-              <a:buSzPct val="80000"/>
-              <a:buFont typeface="Wingdings" pitchFamily="2" charset="2"/>
-              <a:buChar char="u"/>
-            </a:pPr>
-            <a:r>
-              <a:rPr lang="en-US" altLang="zh-TW" sz="1600" b="1" dirty="0">
-                <a:solidFill>
-                  <a:schemeClr val="tx1"/>
-                </a:solidFill>
-                <a:latin typeface="+mj-lt"/>
-              </a:rPr>
-              <a:t>Use literal template </a:t>
-            </a:r>
-            <a:r>
-              <a:rPr lang="en-US" altLang="zh-TW" sz="1600" b="1" dirty="0">
-                <a:solidFill>
-                  <a:srgbClr val="C00000"/>
-                </a:solidFill>
-                <a:latin typeface="+mj-lt"/>
-              </a:rPr>
-              <a:t>(`${</a:t>
-            </a:r>
-            <a:r>
-              <a:rPr lang="en-US" altLang="zh-TW" sz="1600" b="1" dirty="0" err="1">
-                <a:solidFill>
-                  <a:srgbClr val="C00000"/>
-                </a:solidFill>
-                <a:latin typeface="+mj-lt"/>
-              </a:rPr>
-              <a:t>className</a:t>
-            </a:r>
-            <a:r>
-              <a:rPr lang="en-US" altLang="zh-TW" sz="1600" b="1" dirty="0">
-                <a:solidFill>
-                  <a:srgbClr val="C00000"/>
-                </a:solidFill>
-                <a:latin typeface="+mj-lt"/>
-              </a:rPr>
-              <a:t>} font-xl`} </a:t>
-            </a:r>
-            <a:r>
-              <a:rPr lang="en-US" altLang="zh-TW" sz="1600" b="1" dirty="0">
-                <a:solidFill>
-                  <a:schemeClr val="tx1"/>
-                </a:solidFill>
-                <a:latin typeface="+mj-lt"/>
-              </a:rPr>
-              <a:t>to control color and font size. </a:t>
-            </a:r>
-          </a:p>
-        </p:txBody>
-      </p:sp>
-      <p:sp>
-        <p:nvSpPr>
-          <p:cNvPr id="4" name="標題 1"/>
-          <p:cNvSpPr txBox="1">
-            <a:spLocks/>
-          </p:cNvSpPr>
-          <p:nvPr/>
-        </p:nvSpPr>
-        <p:spPr>
-          <a:xfrm>
-            <a:off x="0" y="764704"/>
-            <a:ext cx="9144000" cy="398616"/>
-          </a:xfrm>
-          <a:prstGeom prst="rect">
-            <a:avLst/>
-          </a:prstGeom>
-          <a:gradFill flip="none" rotWithShape="1">
-            <a:gsLst>
-              <a:gs pos="0">
-                <a:srgbClr val="00B0F0">
-                  <a:shade val="30000"/>
-                  <a:satMod val="115000"/>
-                </a:srgbClr>
-              </a:gs>
-              <a:gs pos="50000">
-                <a:srgbClr val="00B0F0">
-                  <a:shade val="67500"/>
-                  <a:satMod val="115000"/>
-                </a:srgbClr>
-              </a:gs>
-              <a:gs pos="100000">
-                <a:srgbClr val="00B0F0">
-                  <a:shade val="100000"/>
-                  <a:satMod val="115000"/>
-                </a:srgbClr>
-              </a:gs>
-            </a:gsLst>
-            <a:path path="circle">
-              <a:fillToRect t="100000" r="100000"/>
-            </a:path>
-            <a:tileRect l="-100000" b="-100000"/>
-          </a:gradFill>
-        </p:spPr>
-        <p:txBody>
-          <a:bodyPr vert="horz" lIns="91440" tIns="45720" rIns="91440" bIns="45720" rtlCol="0" anchor="ctr">
-            <a:normAutofit fontScale="92500"/>
-          </a:bodyPr>
-          <a:lstStyle/>
-          <a:p>
-            <a:r>
-              <a:rPr lang="en-US" sz="1600" dirty="0">
-                <a:hlinkClick r:id="rId2"/>
-              </a:rPr>
-              <a:t>https://www.youtube.com/watch?v=j5P9FHiBVNo&amp;list=PLC3y8-rFHvwgg3vaYJgHGnModB54rxOk3&amp;index=20</a:t>
-            </a:r>
-            <a:endParaRPr lang="en-US" altLang="zh-TW" sz="1600" b="1" i="1" dirty="0"/>
-          </a:p>
-        </p:txBody>
-      </p:sp>
-      <p:sp>
-        <p:nvSpPr>
-          <p:cNvPr id="5" name="日期版面配置區 4"/>
-          <p:cNvSpPr>
-            <a:spLocks noGrp="1"/>
-          </p:cNvSpPr>
-          <p:nvPr>
-            <p:ph type="dt" sz="half" idx="10"/>
-          </p:nvPr>
-        </p:nvSpPr>
-        <p:spPr>
-          <a:xfrm>
-            <a:off x="457200" y="6356350"/>
-            <a:ext cx="2133600" cy="404246"/>
-          </a:xfrm>
-        </p:spPr>
-        <p:txBody>
-          <a:bodyPr/>
-          <a:lstStyle/>
-          <a:p>
-            <a:fld id="{A4F910E6-8D00-4BAF-8C48-9688E0B449D3}" type="datetime1">
-              <a:rPr lang="zh-TW" altLang="en-US" smtClean="0"/>
-              <a:pPr/>
-              <a:t>2020/4/5</a:t>
-            </a:fld>
-            <a:endParaRPr lang="zh-TW" altLang="en-US"/>
-          </a:p>
-        </p:txBody>
-      </p:sp>
-      <p:sp>
-        <p:nvSpPr>
-          <p:cNvPr id="6" name="投影片編號版面配置區 5"/>
-          <p:cNvSpPr>
-            <a:spLocks noGrp="1"/>
-          </p:cNvSpPr>
-          <p:nvPr>
-            <p:ph type="sldNum" sz="quarter" idx="12"/>
-          </p:nvPr>
-        </p:nvSpPr>
-        <p:spPr>
-          <a:xfrm>
-            <a:off x="6553200" y="6356350"/>
-            <a:ext cx="2133600" cy="404246"/>
-          </a:xfrm>
-        </p:spPr>
-        <p:txBody>
-          <a:bodyPr/>
-          <a:lstStyle/>
-          <a:p>
-            <a:fld id="{E4D7E63D-91F2-4366-A2C4-1B00C9E2590E}" type="slidenum">
-              <a:rPr lang="zh-TW" altLang="en-US" smtClean="0"/>
-              <a:pPr/>
-              <a:t>13</a:t>
-            </a:fld>
-            <a:endParaRPr lang="zh-TW" altLang="en-US"/>
-          </a:p>
-        </p:txBody>
-      </p:sp>
-      <p:pic>
-        <p:nvPicPr>
-          <p:cNvPr id="7" name="Picture 6">
-            <a:extLst>
-              <a:ext uri="{FF2B5EF4-FFF2-40B4-BE49-F238E27FC236}">
-                <a16:creationId xmlns:a16="http://schemas.microsoft.com/office/drawing/2014/main" id="{03965A0B-33FE-4352-B5B1-4F5DBBCFDD3E}"/>
-              </a:ext>
-            </a:extLst>
-          </p:cNvPr>
-          <p:cNvPicPr>
-            <a:picLocks noChangeAspect="1"/>
-          </p:cNvPicPr>
-          <p:nvPr/>
-        </p:nvPicPr>
-        <p:blipFill>
-          <a:blip r:embed="rId3"/>
-          <a:stretch>
-            <a:fillRect/>
-          </a:stretch>
-        </p:blipFill>
-        <p:spPr>
-          <a:xfrm>
-            <a:off x="457200" y="2213556"/>
-            <a:ext cx="5219700" cy="3238500"/>
-          </a:xfrm>
-          <a:prstGeom prst="rect">
-            <a:avLst/>
-          </a:prstGeom>
-          <a:ln>
-            <a:solidFill>
-              <a:srgbClr val="C00000"/>
-            </a:solidFill>
-          </a:ln>
-        </p:spPr>
-      </p:pic>
-      <p:sp>
-        <p:nvSpPr>
-          <p:cNvPr id="15" name="Rectangle 14">
-            <a:extLst>
-              <a:ext uri="{FF2B5EF4-FFF2-40B4-BE49-F238E27FC236}">
-                <a16:creationId xmlns:a16="http://schemas.microsoft.com/office/drawing/2014/main" id="{A6D7DDBD-7074-4592-A4C5-93394FBB40A7}"/>
-              </a:ext>
-            </a:extLst>
-          </p:cNvPr>
-          <p:cNvSpPr/>
-          <p:nvPr/>
-        </p:nvSpPr>
-        <p:spPr>
-          <a:xfrm>
-            <a:off x="2699792" y="3933056"/>
-            <a:ext cx="1944216" cy="360040"/>
-          </a:xfrm>
-          <a:prstGeom prst="rect">
-            <a:avLst/>
-          </a:prstGeom>
-          <a:noFill/>
-          <a:ln>
-            <a:solidFill>
-              <a:srgbClr val="C00000"/>
-            </a:solidFill>
-          </a:ln>
-        </p:spPr>
-        <p:style>
-          <a:lnRef idx="2">
-            <a:schemeClr val="accent1">
-              <a:shade val="50000"/>
-            </a:schemeClr>
-          </a:lnRef>
-          <a:fillRef idx="1">
-            <a:schemeClr val="accent1"/>
-          </a:fillRef>
-          <a:effectRef idx="0">
-            <a:schemeClr val="accent1"/>
-          </a:effectRef>
-          <a:fontRef idx="minor">
-            <a:schemeClr val="lt1"/>
-          </a:fontRef>
-        </p:style>
-        <p:txBody>
-          <a:bodyPr rtlCol="0" anchor="ctr"/>
-          <a:lstStyle/>
-          <a:p>
-            <a:pPr algn="ctr"/>
-            <a:endParaRPr lang="en-US"/>
-          </a:p>
-        </p:txBody>
-      </p:sp>
-      <p:pic>
-        <p:nvPicPr>
-          <p:cNvPr id="17" name="Picture 16">
-            <a:extLst>
-              <a:ext uri="{FF2B5EF4-FFF2-40B4-BE49-F238E27FC236}">
-                <a16:creationId xmlns:a16="http://schemas.microsoft.com/office/drawing/2014/main" id="{A41111DA-1D8E-40D7-AD0F-949686E4C40E}"/>
-              </a:ext>
-            </a:extLst>
-          </p:cNvPr>
-          <p:cNvPicPr>
-            <a:picLocks noChangeAspect="1"/>
-          </p:cNvPicPr>
-          <p:nvPr/>
-        </p:nvPicPr>
-        <p:blipFill>
-          <a:blip r:embed="rId4"/>
-          <a:stretch>
-            <a:fillRect/>
-          </a:stretch>
-        </p:blipFill>
-        <p:spPr>
-          <a:xfrm>
-            <a:off x="3329145" y="4484256"/>
-            <a:ext cx="4695510" cy="2276340"/>
-          </a:xfrm>
-          <a:prstGeom prst="rect">
-            <a:avLst/>
-          </a:prstGeom>
-          <a:ln>
-            <a:solidFill>
-              <a:srgbClr val="C00000"/>
-            </a:solidFill>
-          </a:ln>
-        </p:spPr>
-      </p:pic>
-    </p:spTree>
-    <p:extLst>
-      <p:ext uri="{BB962C8B-B14F-4D97-AF65-F5344CB8AC3E}">
-        <p14:creationId xmlns:p14="http://schemas.microsoft.com/office/powerpoint/2010/main" val="1613508394"/>
-      </p:ext>
-    </p:extLst>
-  </p:cSld>
-  <p:clrMapOvr>
-    <a:masterClrMapping/>
-  </p:clrMapOvr>
-</p:sld>
-</file>
-
-<file path=ppt/slides/slide14.xml><?xml version="1.0" encoding="utf-8"?>
-<p:sld xmlns:a="http://schemas.openxmlformats.org/drawingml/2006/main" xmlns:r="http://schemas.openxmlformats.org/officeDocument/2006/relationships" xmlns:p="http://schemas.openxmlformats.org/presentationml/2006/main">
-  <p:cSld>
-    <p:spTree>
-      <p:nvGrpSpPr>
-        <p:cNvPr id="1" name=""/>
-        <p:cNvGrpSpPr/>
-        <p:nvPr/>
-      </p:nvGrpSpPr>
-      <p:grpSpPr>
-        <a:xfrm>
-          <a:off x="0" y="0"/>
-          <a:ext cx="0" cy="0"/>
-          <a:chOff x="0" y="0"/>
-          <a:chExt cx="0" cy="0"/>
-        </a:xfrm>
-      </p:grpSpPr>
-      <p:sp>
-        <p:nvSpPr>
-          <p:cNvPr id="2" name="標題 1"/>
-          <p:cNvSpPr>
-            <a:spLocks noGrp="1"/>
-          </p:cNvSpPr>
-          <p:nvPr>
-            <p:ph type="ctrTitle"/>
-          </p:nvPr>
-        </p:nvSpPr>
-        <p:spPr>
-          <a:xfrm>
             <a:off x="0" y="2130425"/>
             <a:ext cx="9144000" cy="1470025"/>
           </a:xfrm>
@@ -5357,7 +4575,7 @@
             <a:fld id="{C389EDC9-19E3-47AC-9C57-C6A24DEA81AD}" type="datetime1">
               <a:rPr lang="zh-TW" altLang="en-US" smtClean="0"/>
               <a:pPr/>
-              <a:t>2020/4/5</a:t>
+              <a:t>2020/5/17</a:t>
             </a:fld>
             <a:endParaRPr lang="zh-TW" altLang="en-US"/>
           </a:p>
@@ -5381,7 +4599,7 @@
             <a:fld id="{E4D7E63D-91F2-4366-A2C4-1B00C9E2590E}" type="slidenum">
               <a:rPr lang="zh-TW" altLang="en-US" smtClean="0"/>
               <a:pPr/>
-              <a:t>14</a:t>
+              <a:t>13</a:t>
             </a:fld>
             <a:endParaRPr lang="zh-TW" altLang="en-US"/>
           </a:p>
@@ -5432,7 +4650,7 @@
 </p:sld>
 </file>
 
-<file path=ppt/slides/slide15.xml><?xml version="1.0" encoding="utf-8"?>
+<file path=ppt/slides/slide14.xml><?xml version="1.0" encoding="utf-8"?>
 <p:sld xmlns:a="http://schemas.openxmlformats.org/drawingml/2006/main" xmlns:r="http://schemas.openxmlformats.org/officeDocument/2006/relationships" xmlns:p="http://schemas.openxmlformats.org/presentationml/2006/main">
   <p:cSld>
     <p:spTree>
@@ -5730,7 +4948,7 @@
             <a:fld id="{A4F910E6-8D00-4BAF-8C48-9688E0B449D3}" type="datetime1">
               <a:rPr lang="zh-TW" altLang="en-US" smtClean="0"/>
               <a:pPr/>
-              <a:t>2020/4/5</a:t>
+              <a:t>2020/5/17</a:t>
             </a:fld>
             <a:endParaRPr lang="zh-TW" altLang="en-US"/>
           </a:p>
@@ -5759,7 +4977,7 @@
             <a:fld id="{E4D7E63D-91F2-4366-A2C4-1B00C9E2590E}" type="slidenum">
               <a:rPr lang="zh-TW" altLang="en-US" smtClean="0"/>
               <a:pPr/>
-              <a:t>15</a:t>
+              <a:t>14</a:t>
             </a:fld>
             <a:endParaRPr lang="zh-TW" altLang="en-US"/>
           </a:p>
@@ -5924,7 +5142,7 @@
 </p:sld>
 </file>
 
-<file path=ppt/slides/slide16.xml><?xml version="1.0" encoding="utf-8"?>
+<file path=ppt/slides/slide15.xml><?xml version="1.0" encoding="utf-8"?>
 <p:sld xmlns:a="http://schemas.openxmlformats.org/drawingml/2006/main" xmlns:r="http://schemas.openxmlformats.org/officeDocument/2006/relationships" xmlns:p="http://schemas.openxmlformats.org/presentationml/2006/main">
   <p:cSld>
     <p:spTree>
@@ -6000,7 +5218,7 @@
             <a:fld id="{C389EDC9-19E3-47AC-9C57-C6A24DEA81AD}" type="datetime1">
               <a:rPr lang="zh-TW" altLang="en-US" smtClean="0"/>
               <a:pPr/>
-              <a:t>2020/4/5</a:t>
+              <a:t>2020/5/17</a:t>
             </a:fld>
             <a:endParaRPr lang="zh-TW" altLang="en-US"/>
           </a:p>
@@ -6024,7 +5242,7 @@
             <a:fld id="{E4D7E63D-91F2-4366-A2C4-1B00C9E2590E}" type="slidenum">
               <a:rPr lang="zh-TW" altLang="en-US" smtClean="0"/>
               <a:pPr/>
-              <a:t>16</a:t>
+              <a:t>15</a:t>
             </a:fld>
             <a:endParaRPr lang="zh-TW" altLang="en-US"/>
           </a:p>
@@ -6075,7 +5293,7 @@
 </p:sld>
 </file>
 
-<file path=ppt/slides/slide17.xml><?xml version="1.0" encoding="utf-8"?>
+<file path=ppt/slides/slide16.xml><?xml version="1.0" encoding="utf-8"?>
 <p:sld xmlns:a="http://schemas.openxmlformats.org/drawingml/2006/main" xmlns:r="http://schemas.openxmlformats.org/officeDocument/2006/relationships" xmlns:p="http://schemas.openxmlformats.org/presentationml/2006/main">
   <p:cSld>
     <p:spTree>
@@ -6436,7 +5654,7 @@
             <a:fld id="{A4F910E6-8D00-4BAF-8C48-9688E0B449D3}" type="datetime1">
               <a:rPr lang="zh-TW" altLang="en-US" smtClean="0"/>
               <a:pPr/>
-              <a:t>2020/4/5</a:t>
+              <a:t>2020/5/17</a:t>
             </a:fld>
             <a:endParaRPr lang="zh-TW" altLang="en-US"/>
           </a:p>
@@ -6465,7 +5683,7 @@
             <a:fld id="{E4D7E63D-91F2-4366-A2C4-1B00C9E2590E}" type="slidenum">
               <a:rPr lang="zh-TW" altLang="en-US" smtClean="0"/>
               <a:pPr/>
-              <a:t>17</a:t>
+              <a:t>16</a:t>
             </a:fld>
             <a:endParaRPr lang="zh-TW" altLang="en-US"/>
           </a:p>
@@ -6519,7 +5737,7 @@
 </p:sld>
 </file>
 
-<file path=ppt/slides/slide18.xml><?xml version="1.0" encoding="utf-8"?>
+<file path=ppt/slides/slide17.xml><?xml version="1.0" encoding="utf-8"?>
 <p:sld xmlns:a="http://schemas.openxmlformats.org/drawingml/2006/main" xmlns:r="http://schemas.openxmlformats.org/officeDocument/2006/relationships" xmlns:p="http://schemas.openxmlformats.org/presentationml/2006/main">
   <p:cSld>
     <p:spTree>
@@ -6768,7 +5986,7 @@
             <a:fld id="{A4F910E6-8D00-4BAF-8C48-9688E0B449D3}" type="datetime1">
               <a:rPr lang="zh-TW" altLang="en-US" smtClean="0"/>
               <a:pPr/>
-              <a:t>2020/4/5</a:t>
+              <a:t>2020/5/17</a:t>
             </a:fld>
             <a:endParaRPr lang="zh-TW" altLang="en-US"/>
           </a:p>
@@ -6797,7 +6015,7 @@
             <a:fld id="{E4D7E63D-91F2-4366-A2C4-1B00C9E2590E}" type="slidenum">
               <a:rPr lang="zh-TW" altLang="en-US" smtClean="0"/>
               <a:pPr/>
-              <a:t>18</a:t>
+              <a:t>17</a:t>
             </a:fld>
             <a:endParaRPr lang="zh-TW" altLang="en-US"/>
           </a:p>
@@ -6886,7 +6104,7 @@
 </p:sld>
 </file>
 
-<file path=ppt/slides/slide19.xml><?xml version="1.0" encoding="utf-8"?>
+<file path=ppt/slides/slide18.xml><?xml version="1.0" encoding="utf-8"?>
 <p:sld xmlns:a="http://schemas.openxmlformats.org/drawingml/2006/main" xmlns:r="http://schemas.openxmlformats.org/officeDocument/2006/relationships" xmlns:p="http://schemas.openxmlformats.org/presentationml/2006/main">
   <p:cSld>
     <p:spTree>
@@ -7202,7 +6420,7 @@
             <a:fld id="{A4F910E6-8D00-4BAF-8C48-9688E0B449D3}" type="datetime1">
               <a:rPr lang="zh-TW" altLang="en-US" smtClean="0"/>
               <a:pPr/>
-              <a:t>2020/4/5</a:t>
+              <a:t>2020/5/17</a:t>
             </a:fld>
             <a:endParaRPr lang="zh-TW" altLang="en-US"/>
           </a:p>
@@ -7231,7 +6449,7 @@
             <a:fld id="{E4D7E63D-91F2-4366-A2C4-1B00C9E2590E}" type="slidenum">
               <a:rPr lang="zh-TW" altLang="en-US" smtClean="0"/>
               <a:pPr/>
-              <a:t>19</a:t>
+              <a:t>18</a:t>
             </a:fld>
             <a:endParaRPr lang="zh-TW" altLang="en-US"/>
           </a:p>
@@ -7393,6 +6611,143 @@
         <p14:creationId xmlns:p14="http://schemas.microsoft.com/office/powerpoint/2010/main" val="1844419237"/>
       </p:ext>
     </p:extLst>
+  </p:cSld>
+  <p:clrMapOvr>
+    <a:masterClrMapping/>
+  </p:clrMapOvr>
+</p:sld>
+</file>
+
+<file path=ppt/slides/slide19.xml><?xml version="1.0" encoding="utf-8"?>
+<p:sld xmlns:a="http://schemas.openxmlformats.org/drawingml/2006/main" xmlns:r="http://schemas.openxmlformats.org/officeDocument/2006/relationships" xmlns:p="http://schemas.openxmlformats.org/presentationml/2006/main">
+  <p:cSld>
+    <p:spTree>
+      <p:nvGrpSpPr>
+        <p:cNvPr id="1" name=""/>
+        <p:cNvGrpSpPr/>
+        <p:nvPr/>
+      </p:nvGrpSpPr>
+      <p:grpSpPr>
+        <a:xfrm>
+          <a:off x="0" y="0"/>
+          <a:ext cx="0" cy="0"/>
+          <a:chOff x="0" y="0"/>
+          <a:chExt cx="0" cy="0"/>
+        </a:xfrm>
+      </p:grpSpPr>
+      <p:sp>
+        <p:nvSpPr>
+          <p:cNvPr id="2" name="標題 1"/>
+          <p:cNvSpPr>
+            <a:spLocks noGrp="1"/>
+          </p:cNvSpPr>
+          <p:nvPr>
+            <p:ph type="ctrTitle"/>
+          </p:nvPr>
+        </p:nvSpPr>
+        <p:spPr>
+          <a:xfrm>
+            <a:off x="0" y="2130425"/>
+            <a:ext cx="9144000" cy="1470025"/>
+          </a:xfrm>
+          <a:gradFill flip="none" rotWithShape="1">
+            <a:gsLst>
+              <a:gs pos="0">
+                <a:srgbClr val="00B0F0">
+                  <a:shade val="30000"/>
+                  <a:satMod val="115000"/>
+                </a:srgbClr>
+              </a:gs>
+              <a:gs pos="50000">
+                <a:srgbClr val="00B0F0">
+                  <a:shade val="67500"/>
+                  <a:satMod val="115000"/>
+                </a:srgbClr>
+              </a:gs>
+              <a:gs pos="100000">
+                <a:srgbClr val="00B0F0">
+                  <a:shade val="100000"/>
+                  <a:satMod val="115000"/>
+                </a:srgbClr>
+              </a:gs>
+            </a:gsLst>
+            <a:path path="circle">
+              <a:fillToRect t="100000" r="100000"/>
+            </a:path>
+            <a:tileRect l="-100000" b="-100000"/>
+          </a:gradFill>
+        </p:spPr>
+        <p:txBody>
+          <a:bodyPr>
+            <a:normAutofit/>
+          </a:bodyPr>
+          <a:lstStyle/>
+          <a:p>
+            <a:r>
+              <a:rPr lang="en-US" altLang="zh-TW" sz="6000" b="1" dirty="0">
+                <a:solidFill>
+                  <a:srgbClr val="FFFF00"/>
+                </a:solidFill>
+              </a:rPr>
+              <a:t>End of Chapter</a:t>
+            </a:r>
+            <a:endParaRPr lang="zh-TW" altLang="en-US" sz="6000" b="1" dirty="0">
+              <a:solidFill>
+                <a:srgbClr val="FFFF00"/>
+              </a:solidFill>
+            </a:endParaRPr>
+          </a:p>
+        </p:txBody>
+      </p:sp>
+      <p:sp>
+        <p:nvSpPr>
+          <p:cNvPr id="5" name="日期版面配置區 4"/>
+          <p:cNvSpPr>
+            <a:spLocks noGrp="1"/>
+          </p:cNvSpPr>
+          <p:nvPr>
+            <p:ph type="dt" sz="half" idx="10"/>
+          </p:nvPr>
+        </p:nvSpPr>
+        <p:spPr/>
+        <p:txBody>
+          <a:bodyPr/>
+          <a:lstStyle/>
+          <a:p>
+            <a:fld id="{4E46BE27-E923-4EC2-B046-3272AE2A3E5C}" type="datetime1">
+              <a:rPr lang="zh-TW" altLang="en-US" smtClean="0"/>
+              <a:pPr/>
+              <a:t>2020/5/17</a:t>
+            </a:fld>
+            <a:endParaRPr lang="zh-TW" altLang="en-US"/>
+          </a:p>
+        </p:txBody>
+      </p:sp>
+      <p:sp>
+        <p:nvSpPr>
+          <p:cNvPr id="6" name="投影片編號版面配置區 5"/>
+          <p:cNvSpPr>
+            <a:spLocks noGrp="1"/>
+          </p:cNvSpPr>
+          <p:nvPr>
+            <p:ph type="sldNum" sz="quarter" idx="12"/>
+          </p:nvPr>
+        </p:nvSpPr>
+        <p:spPr/>
+        <p:txBody>
+          <a:bodyPr/>
+          <a:lstStyle/>
+          <a:p>
+            <a:fld id="{E4D7E63D-91F2-4366-A2C4-1B00C9E2590E}" type="slidenum">
+              <a:rPr lang="zh-TW" altLang="en-US" smtClean="0"/>
+              <a:pPr/>
+              <a:t>19</a:t>
+            </a:fld>
+            <a:endParaRPr lang="zh-TW" altLang="en-US"/>
+          </a:p>
+        </p:txBody>
+      </p:sp>
+    </p:spTree>
   </p:cSld>
   <p:clrMapOvr>
     <a:masterClrMapping/>
@@ -7744,7 +7099,7 @@
             <a:fld id="{A4F910E6-8D00-4BAF-8C48-9688E0B449D3}" type="datetime1">
               <a:rPr lang="zh-TW" altLang="en-US" smtClean="0"/>
               <a:pPr/>
-              <a:t>2020/4/5</a:t>
+              <a:t>2020/5/17</a:t>
             </a:fld>
             <a:endParaRPr lang="zh-TW" altLang="en-US"/>
           </a:p>
@@ -7910,143 +7265,6 @@
               </a:rPr>
               <a:t>Styling React Components</a:t>
             </a:r>
-          </a:p>
-        </p:txBody>
-      </p:sp>
-    </p:spTree>
-  </p:cSld>
-  <p:clrMapOvr>
-    <a:masterClrMapping/>
-  </p:clrMapOvr>
-</p:sld>
-</file>
-
-<file path=ppt/slides/slide20.xml><?xml version="1.0" encoding="utf-8"?>
-<p:sld xmlns:a="http://schemas.openxmlformats.org/drawingml/2006/main" xmlns:r="http://schemas.openxmlformats.org/officeDocument/2006/relationships" xmlns:p="http://schemas.openxmlformats.org/presentationml/2006/main">
-  <p:cSld>
-    <p:spTree>
-      <p:nvGrpSpPr>
-        <p:cNvPr id="1" name=""/>
-        <p:cNvGrpSpPr/>
-        <p:nvPr/>
-      </p:nvGrpSpPr>
-      <p:grpSpPr>
-        <a:xfrm>
-          <a:off x="0" y="0"/>
-          <a:ext cx="0" cy="0"/>
-          <a:chOff x="0" y="0"/>
-          <a:chExt cx="0" cy="0"/>
-        </a:xfrm>
-      </p:grpSpPr>
-      <p:sp>
-        <p:nvSpPr>
-          <p:cNvPr id="2" name="標題 1"/>
-          <p:cNvSpPr>
-            <a:spLocks noGrp="1"/>
-          </p:cNvSpPr>
-          <p:nvPr>
-            <p:ph type="ctrTitle"/>
-          </p:nvPr>
-        </p:nvSpPr>
-        <p:spPr>
-          <a:xfrm>
-            <a:off x="0" y="2130425"/>
-            <a:ext cx="9144000" cy="1470025"/>
-          </a:xfrm>
-          <a:gradFill flip="none" rotWithShape="1">
-            <a:gsLst>
-              <a:gs pos="0">
-                <a:srgbClr val="00B0F0">
-                  <a:shade val="30000"/>
-                  <a:satMod val="115000"/>
-                </a:srgbClr>
-              </a:gs>
-              <a:gs pos="50000">
-                <a:srgbClr val="00B0F0">
-                  <a:shade val="67500"/>
-                  <a:satMod val="115000"/>
-                </a:srgbClr>
-              </a:gs>
-              <a:gs pos="100000">
-                <a:srgbClr val="00B0F0">
-                  <a:shade val="100000"/>
-                  <a:satMod val="115000"/>
-                </a:srgbClr>
-              </a:gs>
-            </a:gsLst>
-            <a:path path="circle">
-              <a:fillToRect t="100000" r="100000"/>
-            </a:path>
-            <a:tileRect l="-100000" b="-100000"/>
-          </a:gradFill>
-        </p:spPr>
-        <p:txBody>
-          <a:bodyPr>
-            <a:normAutofit/>
-          </a:bodyPr>
-          <a:lstStyle/>
-          <a:p>
-            <a:r>
-              <a:rPr lang="en-US" altLang="zh-TW" sz="6000" b="1" dirty="0">
-                <a:solidFill>
-                  <a:srgbClr val="FFFF00"/>
-                </a:solidFill>
-              </a:rPr>
-              <a:t>End of Chapter</a:t>
-            </a:r>
-            <a:endParaRPr lang="zh-TW" altLang="en-US" sz="6000" b="1" dirty="0">
-              <a:solidFill>
-                <a:srgbClr val="FFFF00"/>
-              </a:solidFill>
-            </a:endParaRPr>
-          </a:p>
-        </p:txBody>
-      </p:sp>
-      <p:sp>
-        <p:nvSpPr>
-          <p:cNvPr id="5" name="日期版面配置區 4"/>
-          <p:cNvSpPr>
-            <a:spLocks noGrp="1"/>
-          </p:cNvSpPr>
-          <p:nvPr>
-            <p:ph type="dt" sz="half" idx="10"/>
-          </p:nvPr>
-        </p:nvSpPr>
-        <p:spPr/>
-        <p:txBody>
-          <a:bodyPr/>
-          <a:lstStyle/>
-          <a:p>
-            <a:fld id="{4E46BE27-E923-4EC2-B046-3272AE2A3E5C}" type="datetime1">
-              <a:rPr lang="zh-TW" altLang="en-US" smtClean="0"/>
-              <a:pPr/>
-              <a:t>2020/4/5</a:t>
-            </a:fld>
-            <a:endParaRPr lang="zh-TW" altLang="en-US"/>
-          </a:p>
-        </p:txBody>
-      </p:sp>
-      <p:sp>
-        <p:nvSpPr>
-          <p:cNvPr id="6" name="投影片編號版面配置區 5"/>
-          <p:cNvSpPr>
-            <a:spLocks noGrp="1"/>
-          </p:cNvSpPr>
-          <p:nvPr>
-            <p:ph type="sldNum" sz="quarter" idx="12"/>
-          </p:nvPr>
-        </p:nvSpPr>
-        <p:spPr/>
-        <p:txBody>
-          <a:bodyPr/>
-          <a:lstStyle/>
-          <a:p>
-            <a:fld id="{E4D7E63D-91F2-4366-A2C4-1B00C9E2590E}" type="slidenum">
-              <a:rPr lang="zh-TW" altLang="en-US" smtClean="0"/>
-              <a:pPr/>
-              <a:t>20</a:t>
-            </a:fld>
-            <a:endParaRPr lang="zh-TW" altLang="en-US"/>
           </a:p>
         </p:txBody>
       </p:sp>
@@ -8153,7 +7371,7 @@
         <p:spPr>
           <a:xfrm>
             <a:off x="467544" y="1340763"/>
-            <a:ext cx="8219256" cy="2345532"/>
+            <a:ext cx="3024336" cy="1800205"/>
           </a:xfrm>
           <a:ln>
             <a:solidFill>
@@ -8201,7 +7419,7 @@
                 </a:solidFill>
                 <a:latin typeface="+mj-lt"/>
               </a:rPr>
-              <a:t>We discuss the basic styling and CSS of React.</a:t>
+              <a:t>App.js:</a:t>
             </a:r>
           </a:p>
           <a:p>
@@ -8220,7 +7438,7 @@
                 </a:solidFill>
                 <a:latin typeface="+mj-lt"/>
               </a:rPr>
-              <a:t>There are several options to style React components.</a:t>
+              <a:t>Import Stylesheet from “./component/Stylesheet’</a:t>
             </a:r>
           </a:p>
           <a:p>
@@ -8239,83 +7457,7 @@
                 </a:solidFill>
                 <a:latin typeface="+mj-lt"/>
               </a:rPr>
-              <a:t>The first one is regular CSS stylesheets.</a:t>
-            </a:r>
-          </a:p>
-          <a:p>
-            <a:pPr marL="342900" indent="-342900" algn="l">
-              <a:buClr>
-                <a:srgbClr val="0070C0"/>
-              </a:buClr>
-              <a:buSzPct val="80000"/>
-              <a:buFont typeface="Wingdings" pitchFamily="2" charset="2"/>
-              <a:buChar char="u"/>
-            </a:pPr>
-            <a:r>
-              <a:rPr lang="en-US" altLang="zh-TW" sz="1600" b="1" dirty="0">
-                <a:solidFill>
-                  <a:schemeClr val="tx1"/>
-                </a:solidFill>
-                <a:latin typeface="+mj-lt"/>
-              </a:rPr>
-              <a:t>The second one is inline styling</a:t>
-            </a:r>
-          </a:p>
-          <a:p>
-            <a:pPr marL="342900" indent="-342900" algn="l">
-              <a:buClr>
-                <a:srgbClr val="0070C0"/>
-              </a:buClr>
-              <a:buSzPct val="80000"/>
-              <a:buFont typeface="Wingdings" pitchFamily="2" charset="2"/>
-              <a:buChar char="u"/>
-            </a:pPr>
-            <a:r>
-              <a:rPr lang="en-US" altLang="zh-TW" sz="1600" b="1" dirty="0">
-                <a:solidFill>
-                  <a:schemeClr val="tx1"/>
-                </a:solidFill>
-                <a:latin typeface="+mj-lt"/>
-              </a:rPr>
-              <a:t>Third, we have CSS Modules</a:t>
-            </a:r>
-          </a:p>
-          <a:p>
-            <a:pPr marL="342900" indent="-342900" algn="l">
-              <a:buClr>
-                <a:srgbClr val="0070C0"/>
-              </a:buClr>
-              <a:buSzPct val="80000"/>
-              <a:buFont typeface="Wingdings" pitchFamily="2" charset="2"/>
-              <a:buChar char="u"/>
-            </a:pPr>
-            <a:r>
-              <a:rPr lang="en-US" altLang="zh-TW" sz="1600" b="1" dirty="0">
-                <a:solidFill>
-                  <a:schemeClr val="tx1"/>
-                </a:solidFill>
-                <a:latin typeface="+mj-lt"/>
-              </a:rPr>
-              <a:t>Fourth, we can use CSS in JS Libraries which works really well with React.</a:t>
-            </a:r>
-          </a:p>
-          <a:p>
-            <a:pPr marL="342900" indent="-342900" algn="l">
-              <a:buClr>
-                <a:srgbClr val="0070C0"/>
-              </a:buClr>
-              <a:buSzPct val="80000"/>
-              <a:buFont typeface="Wingdings" pitchFamily="2" charset="2"/>
-              <a:buChar char="u"/>
-            </a:pPr>
-            <a:r>
-              <a:rPr lang="en-US" altLang="zh-TW" sz="1600" b="1" dirty="0">
-                <a:solidFill>
-                  <a:schemeClr val="tx1"/>
-                </a:solidFill>
-                <a:latin typeface="+mj-lt"/>
-              </a:rPr>
-              <a:t>We discuss first three approaches of CSS.</a:t>
+              <a:t>Add component: &lt;Stylesheet /&gt;</a:t>
             </a:r>
           </a:p>
         </p:txBody>
@@ -8402,7 +7544,7 @@
             <a:fld id="{A4F910E6-8D00-4BAF-8C48-9688E0B449D3}" type="datetime1">
               <a:rPr lang="zh-TW" altLang="en-US" smtClean="0"/>
               <a:pPr/>
-              <a:t>2020/4/5</a:t>
+              <a:t>2020/5/17</a:t>
             </a:fld>
             <a:endParaRPr lang="zh-TW" altLang="en-US"/>
           </a:p>
@@ -8437,10 +7579,149 @@
           </a:p>
         </p:txBody>
       </p:sp>
+      <p:pic>
+        <p:nvPicPr>
+          <p:cNvPr id="8" name="Picture 7">
+            <a:extLst>
+              <a:ext uri="{FF2B5EF4-FFF2-40B4-BE49-F238E27FC236}">
+                <a16:creationId xmlns:a16="http://schemas.microsoft.com/office/drawing/2014/main" id="{2A5C05C8-A1A1-4CB8-BBE4-3C1B7C9FE2C6}"/>
+              </a:ext>
+            </a:extLst>
+          </p:cNvPr>
+          <p:cNvPicPr>
+            <a:picLocks noChangeAspect="1"/>
+          </p:cNvPicPr>
+          <p:nvPr/>
+        </p:nvPicPr>
+        <p:blipFill>
+          <a:blip r:embed="rId3"/>
+          <a:stretch>
+            <a:fillRect/>
+          </a:stretch>
+        </p:blipFill>
+        <p:spPr>
+          <a:xfrm>
+            <a:off x="3581400" y="1268760"/>
+            <a:ext cx="4591000" cy="5207701"/>
+          </a:xfrm>
+          <a:prstGeom prst="rect">
+            <a:avLst/>
+          </a:prstGeom>
+          <a:ln>
+            <a:solidFill>
+              <a:srgbClr val="C00000"/>
+            </a:solidFill>
+          </a:ln>
+        </p:spPr>
+      </p:pic>
+      <p:sp>
+        <p:nvSpPr>
+          <p:cNvPr id="9" name="Rectangle 8">
+            <a:extLst>
+              <a:ext uri="{FF2B5EF4-FFF2-40B4-BE49-F238E27FC236}">
+                <a16:creationId xmlns:a16="http://schemas.microsoft.com/office/drawing/2014/main" id="{F9D15FB2-3839-4895-B659-DE7FD9251E81}"/>
+              </a:ext>
+            </a:extLst>
+          </p:cNvPr>
+          <p:cNvSpPr/>
+          <p:nvPr/>
+        </p:nvSpPr>
+        <p:spPr>
+          <a:xfrm>
+            <a:off x="4508748" y="4437112"/>
+            <a:ext cx="1575420" cy="405961"/>
+          </a:xfrm>
+          <a:prstGeom prst="rect">
+            <a:avLst/>
+          </a:prstGeom>
+          <a:noFill/>
+          <a:ln>
+            <a:solidFill>
+              <a:srgbClr val="C00000"/>
+            </a:solidFill>
+          </a:ln>
+        </p:spPr>
+        <p:style>
+          <a:lnRef idx="2">
+            <a:schemeClr val="accent1">
+              <a:shade val="50000"/>
+            </a:schemeClr>
+          </a:lnRef>
+          <a:fillRef idx="1">
+            <a:schemeClr val="accent1"/>
+          </a:fillRef>
+          <a:effectRef idx="0">
+            <a:schemeClr val="accent1"/>
+          </a:effectRef>
+          <a:fontRef idx="minor">
+            <a:schemeClr val="lt1"/>
+          </a:fontRef>
+        </p:style>
+        <p:txBody>
+          <a:bodyPr rtlCol="0" anchor="ctr"/>
+          <a:lstStyle/>
+          <a:p>
+            <a:pPr algn="ctr"/>
+            <a:endParaRPr lang="en-US"/>
+          </a:p>
+        </p:txBody>
+      </p:sp>
+      <p:sp>
+        <p:nvSpPr>
+          <p:cNvPr id="10" name="Rectangle 9">
+            <a:extLst>
+              <a:ext uri="{FF2B5EF4-FFF2-40B4-BE49-F238E27FC236}">
+                <a16:creationId xmlns:a16="http://schemas.microsoft.com/office/drawing/2014/main" id="{8AD3CE69-8332-48BF-8AB7-4AB9A61CF6BA}"/>
+              </a:ext>
+            </a:extLst>
+          </p:cNvPr>
+          <p:cNvSpPr/>
+          <p:nvPr/>
+        </p:nvSpPr>
+        <p:spPr>
+          <a:xfrm>
+            <a:off x="3995936" y="3684760"/>
+            <a:ext cx="3816424" cy="261945"/>
+          </a:xfrm>
+          <a:prstGeom prst="rect">
+            <a:avLst/>
+          </a:prstGeom>
+          <a:noFill/>
+          <a:ln>
+            <a:solidFill>
+              <a:srgbClr val="C00000"/>
+            </a:solidFill>
+          </a:ln>
+        </p:spPr>
+        <p:style>
+          <a:lnRef idx="2">
+            <a:schemeClr val="accent1">
+              <a:shade val="50000"/>
+            </a:schemeClr>
+          </a:lnRef>
+          <a:fillRef idx="1">
+            <a:schemeClr val="accent1"/>
+          </a:fillRef>
+          <a:effectRef idx="0">
+            <a:schemeClr val="accent1"/>
+          </a:effectRef>
+          <a:fontRef idx="minor">
+            <a:schemeClr val="lt1"/>
+          </a:fontRef>
+        </p:style>
+        <p:txBody>
+          <a:bodyPr rtlCol="0" anchor="ctr"/>
+          <a:lstStyle/>
+          <a:p>
+            <a:pPr algn="ctr"/>
+            <a:endParaRPr lang="en-US"/>
+          </a:p>
+        </p:txBody>
+      </p:sp>
     </p:spTree>
     <p:extLst>
       <p:ext uri="{BB962C8B-B14F-4D97-AF65-F5344CB8AC3E}">
-        <p14:creationId xmlns:p14="http://schemas.microsoft.com/office/powerpoint/2010/main" val="2384238594"/>
+        <p14:creationId xmlns:p14="http://schemas.microsoft.com/office/powerpoint/2010/main" val="2747980161"/>
       </p:ext>
     </p:extLst>
   </p:cSld>
@@ -8545,7 +7826,7 @@
         <p:spPr>
           <a:xfrm>
             <a:off x="467544" y="1340763"/>
-            <a:ext cx="3024336" cy="1800205"/>
+            <a:ext cx="8219256" cy="720085"/>
           </a:xfrm>
           <a:ln>
             <a:solidFill>
@@ -8593,45 +7874,7 @@
                 </a:solidFill>
                 <a:latin typeface="+mj-lt"/>
               </a:rPr>
-              <a:t>App.js:</a:t>
-            </a:r>
-          </a:p>
-          <a:p>
-            <a:pPr marL="342900" indent="-342900" algn="l">
-              <a:buClr>
-                <a:srgbClr val="0070C0"/>
-              </a:buClr>
-              <a:buSzPct val="80000"/>
-              <a:buFont typeface="Wingdings" pitchFamily="2" charset="2"/>
-              <a:buChar char="u"/>
-            </a:pPr>
-            <a:r>
-              <a:rPr lang="en-US" altLang="zh-TW" sz="1600" b="1" dirty="0">
-                <a:solidFill>
-                  <a:schemeClr val="tx1"/>
-                </a:solidFill>
-                <a:latin typeface="+mj-lt"/>
-              </a:rPr>
-              <a:t>Import Stylesheet from “./component/Stylesheet’</a:t>
-            </a:r>
-          </a:p>
-          <a:p>
-            <a:pPr marL="342900" indent="-342900" algn="l">
-              <a:buClr>
-                <a:srgbClr val="0070C0"/>
-              </a:buClr>
-              <a:buSzPct val="80000"/>
-              <a:buFont typeface="Wingdings" pitchFamily="2" charset="2"/>
-              <a:buChar char="u"/>
-            </a:pPr>
-            <a:r>
-              <a:rPr lang="en-US" altLang="zh-TW" sz="1600" b="1" dirty="0">
-                <a:solidFill>
-                  <a:schemeClr val="tx1"/>
-                </a:solidFill>
-                <a:latin typeface="+mj-lt"/>
-              </a:rPr>
-              <a:t>Add component: &lt;Stylesheet /&gt;</a:t>
+              <a:t>CSS class: .primary { }</a:t>
             </a:r>
           </a:p>
         </p:txBody>
@@ -8718,7 +7961,7 @@
             <a:fld id="{A4F910E6-8D00-4BAF-8C48-9688E0B449D3}" type="datetime1">
               <a:rPr lang="zh-TW" altLang="en-US" smtClean="0"/>
               <a:pPr/>
-              <a:t>2020/4/5</a:t>
+              <a:t>2020/5/17</a:t>
             </a:fld>
             <a:endParaRPr lang="zh-TW" altLang="en-US"/>
           </a:p>
@@ -8755,10 +7998,10 @@
       </p:sp>
       <p:pic>
         <p:nvPicPr>
-          <p:cNvPr id="8" name="Picture 7">
+          <p:cNvPr id="7" name="Picture 6">
             <a:extLst>
               <a:ext uri="{FF2B5EF4-FFF2-40B4-BE49-F238E27FC236}">
-                <a16:creationId xmlns:a16="http://schemas.microsoft.com/office/drawing/2014/main" id="{2A5C05C8-A1A1-4CB8-BBE4-3C1B7C9FE2C6}"/>
+                <a16:creationId xmlns:a16="http://schemas.microsoft.com/office/drawing/2014/main" id="{2D1040DF-9E9A-4031-AACC-C3C937366F83}"/>
               </a:ext>
             </a:extLst>
           </p:cNvPr>
@@ -8775,8 +8018,8 @@
         </p:blipFill>
         <p:spPr>
           <a:xfrm>
-            <a:off x="3581400" y="1268760"/>
-            <a:ext cx="4591000" cy="5207701"/>
+            <a:off x="1238746" y="2208647"/>
+            <a:ext cx="6666507" cy="3999904"/>
           </a:xfrm>
           <a:prstGeom prst="rect">
             <a:avLst/>
@@ -8788,114 +8031,10 @@
           </a:ln>
         </p:spPr>
       </p:pic>
-      <p:sp>
-        <p:nvSpPr>
-          <p:cNvPr id="9" name="Rectangle 8">
-            <a:extLst>
-              <a:ext uri="{FF2B5EF4-FFF2-40B4-BE49-F238E27FC236}">
-                <a16:creationId xmlns:a16="http://schemas.microsoft.com/office/drawing/2014/main" id="{F9D15FB2-3839-4895-B659-DE7FD9251E81}"/>
-              </a:ext>
-            </a:extLst>
-          </p:cNvPr>
-          <p:cNvSpPr/>
-          <p:nvPr/>
-        </p:nvSpPr>
-        <p:spPr>
-          <a:xfrm>
-            <a:off x="4508748" y="4581128"/>
-            <a:ext cx="1368152" cy="261945"/>
-          </a:xfrm>
-          <a:prstGeom prst="rect">
-            <a:avLst/>
-          </a:prstGeom>
-          <a:noFill/>
-          <a:ln>
-            <a:solidFill>
-              <a:srgbClr val="C00000"/>
-            </a:solidFill>
-          </a:ln>
-        </p:spPr>
-        <p:style>
-          <a:lnRef idx="2">
-            <a:schemeClr val="accent1">
-              <a:shade val="50000"/>
-            </a:schemeClr>
-          </a:lnRef>
-          <a:fillRef idx="1">
-            <a:schemeClr val="accent1"/>
-          </a:fillRef>
-          <a:effectRef idx="0">
-            <a:schemeClr val="accent1"/>
-          </a:effectRef>
-          <a:fontRef idx="minor">
-            <a:schemeClr val="lt1"/>
-          </a:fontRef>
-        </p:style>
-        <p:txBody>
-          <a:bodyPr rtlCol="0" anchor="ctr"/>
-          <a:lstStyle/>
-          <a:p>
-            <a:pPr algn="ctr"/>
-            <a:endParaRPr lang="en-US"/>
-          </a:p>
-        </p:txBody>
-      </p:sp>
-      <p:sp>
-        <p:nvSpPr>
-          <p:cNvPr id="10" name="Rectangle 9">
-            <a:extLst>
-              <a:ext uri="{FF2B5EF4-FFF2-40B4-BE49-F238E27FC236}">
-                <a16:creationId xmlns:a16="http://schemas.microsoft.com/office/drawing/2014/main" id="{8AD3CE69-8332-48BF-8AB7-4AB9A61CF6BA}"/>
-              </a:ext>
-            </a:extLst>
-          </p:cNvPr>
-          <p:cNvSpPr/>
-          <p:nvPr/>
-        </p:nvSpPr>
-        <p:spPr>
-          <a:xfrm>
-            <a:off x="3995936" y="3684760"/>
-            <a:ext cx="3816424" cy="261945"/>
-          </a:xfrm>
-          <a:prstGeom prst="rect">
-            <a:avLst/>
-          </a:prstGeom>
-          <a:noFill/>
-          <a:ln>
-            <a:solidFill>
-              <a:srgbClr val="C00000"/>
-            </a:solidFill>
-          </a:ln>
-        </p:spPr>
-        <p:style>
-          <a:lnRef idx="2">
-            <a:schemeClr val="accent1">
-              <a:shade val="50000"/>
-            </a:schemeClr>
-          </a:lnRef>
-          <a:fillRef idx="1">
-            <a:schemeClr val="accent1"/>
-          </a:fillRef>
-          <a:effectRef idx="0">
-            <a:schemeClr val="accent1"/>
-          </a:effectRef>
-          <a:fontRef idx="minor">
-            <a:schemeClr val="lt1"/>
-          </a:fontRef>
-        </p:style>
-        <p:txBody>
-          <a:bodyPr rtlCol="0" anchor="ctr"/>
-          <a:lstStyle/>
-          <a:p>
-            <a:pPr algn="ctr"/>
-            <a:endParaRPr lang="en-US"/>
-          </a:p>
-        </p:txBody>
-      </p:sp>
     </p:spTree>
     <p:extLst>
       <p:ext uri="{BB962C8B-B14F-4D97-AF65-F5344CB8AC3E}">
-        <p14:creationId xmlns:p14="http://schemas.microsoft.com/office/powerpoint/2010/main" val="2747980161"/>
+        <p14:creationId xmlns:p14="http://schemas.microsoft.com/office/powerpoint/2010/main" val="1497560472"/>
       </p:ext>
     </p:extLst>
   </p:cSld>
@@ -9048,7 +8187,25 @@
                 </a:solidFill>
                 <a:latin typeface="+mj-lt"/>
               </a:rPr>
-              <a:t>CSS class: .primary { }</a:t>
+              <a:t>Create </a:t>
+            </a:r>
+            <a:r>
+              <a:rPr lang="en-US" altLang="zh-TW" sz="1600" b="1" dirty="0" err="1">
+                <a:solidFill>
+                  <a:schemeClr val="tx1"/>
+                </a:solidFill>
+                <a:latin typeface="+mj-lt"/>
+              </a:rPr>
+              <a:t>rfce</a:t>
+            </a:r>
+            <a:r>
+              <a:rPr lang="en-US" altLang="zh-TW" sz="1600" b="1" dirty="0">
+                <a:solidFill>
+                  <a:schemeClr val="tx1"/>
+                </a:solidFill>
+                <a:latin typeface="+mj-lt"/>
+              </a:rPr>
+              <a:t> (React Functional Component with ES7)</a:t>
             </a:r>
           </a:p>
         </p:txBody>
@@ -9135,7 +8292,7 @@
             <a:fld id="{A4F910E6-8D00-4BAF-8C48-9688E0B449D3}" type="datetime1">
               <a:rPr lang="zh-TW" altLang="en-US" smtClean="0"/>
               <a:pPr/>
-              <a:t>2020/4/5</a:t>
+              <a:t>2020/5/17</a:t>
             </a:fld>
             <a:endParaRPr lang="zh-TW" altLang="en-US"/>
           </a:p>
@@ -9175,7 +8332,7 @@
           <p:cNvPr id="7" name="Picture 6">
             <a:extLst>
               <a:ext uri="{FF2B5EF4-FFF2-40B4-BE49-F238E27FC236}">
-                <a16:creationId xmlns:a16="http://schemas.microsoft.com/office/drawing/2014/main" id="{2D1040DF-9E9A-4031-AACC-C3C937366F83}"/>
+                <a16:creationId xmlns:a16="http://schemas.microsoft.com/office/drawing/2014/main" id="{652D10B0-267E-47F8-B9BF-FAD060CF01B7}"/>
               </a:ext>
             </a:extLst>
           </p:cNvPr>
@@ -9192,8 +8349,8 @@
         </p:blipFill>
         <p:spPr>
           <a:xfrm>
-            <a:off x="1238746" y="2208647"/>
-            <a:ext cx="6666507" cy="3999904"/>
+            <a:off x="1551337" y="2350152"/>
+            <a:ext cx="4610100" cy="3076575"/>
           </a:xfrm>
           <a:prstGeom prst="rect">
             <a:avLst/>
@@ -9205,10 +8362,114 @@
           </a:ln>
         </p:spPr>
       </p:pic>
+      <p:sp>
+        <p:nvSpPr>
+          <p:cNvPr id="8" name="Rectangle 7">
+            <a:extLst>
+              <a:ext uri="{FF2B5EF4-FFF2-40B4-BE49-F238E27FC236}">
+                <a16:creationId xmlns:a16="http://schemas.microsoft.com/office/drawing/2014/main" id="{2E7704D3-4DE4-4BDD-9C46-1B59597D2D50}"/>
+              </a:ext>
+            </a:extLst>
+          </p:cNvPr>
+          <p:cNvSpPr/>
+          <p:nvPr/>
+        </p:nvSpPr>
+        <p:spPr>
+          <a:xfrm>
+            <a:off x="3059832" y="3933056"/>
+            <a:ext cx="3024336" cy="261945"/>
+          </a:xfrm>
+          <a:prstGeom prst="rect">
+            <a:avLst/>
+          </a:prstGeom>
+          <a:noFill/>
+          <a:ln>
+            <a:solidFill>
+              <a:srgbClr val="C00000"/>
+            </a:solidFill>
+          </a:ln>
+        </p:spPr>
+        <p:style>
+          <a:lnRef idx="2">
+            <a:schemeClr val="accent1">
+              <a:shade val="50000"/>
+            </a:schemeClr>
+          </a:lnRef>
+          <a:fillRef idx="1">
+            <a:schemeClr val="accent1"/>
+          </a:fillRef>
+          <a:effectRef idx="0">
+            <a:schemeClr val="accent1"/>
+          </a:effectRef>
+          <a:fontRef idx="minor">
+            <a:schemeClr val="lt1"/>
+          </a:fontRef>
+        </p:style>
+        <p:txBody>
+          <a:bodyPr rtlCol="0" anchor="ctr"/>
+          <a:lstStyle/>
+          <a:p>
+            <a:pPr algn="ctr"/>
+            <a:endParaRPr lang="en-US"/>
+          </a:p>
+        </p:txBody>
+      </p:sp>
+      <p:sp>
+        <p:nvSpPr>
+          <p:cNvPr id="9" name="Rectangle 8">
+            <a:extLst>
+              <a:ext uri="{FF2B5EF4-FFF2-40B4-BE49-F238E27FC236}">
+                <a16:creationId xmlns:a16="http://schemas.microsoft.com/office/drawing/2014/main" id="{EEF80F1D-D205-48FA-8E3B-D08F64303927}"/>
+              </a:ext>
+            </a:extLst>
+          </p:cNvPr>
+          <p:cNvSpPr/>
+          <p:nvPr/>
+        </p:nvSpPr>
+        <p:spPr>
+          <a:xfrm>
+            <a:off x="2123728" y="3095047"/>
+            <a:ext cx="1944216" cy="261945"/>
+          </a:xfrm>
+          <a:prstGeom prst="rect">
+            <a:avLst/>
+          </a:prstGeom>
+          <a:noFill/>
+          <a:ln>
+            <a:solidFill>
+              <a:srgbClr val="C00000"/>
+            </a:solidFill>
+          </a:ln>
+        </p:spPr>
+        <p:style>
+          <a:lnRef idx="2">
+            <a:schemeClr val="accent1">
+              <a:shade val="50000"/>
+            </a:schemeClr>
+          </a:lnRef>
+          <a:fillRef idx="1">
+            <a:schemeClr val="accent1"/>
+          </a:fillRef>
+          <a:effectRef idx="0">
+            <a:schemeClr val="accent1"/>
+          </a:effectRef>
+          <a:fontRef idx="minor">
+            <a:schemeClr val="lt1"/>
+          </a:fontRef>
+        </p:style>
+        <p:txBody>
+          <a:bodyPr rtlCol="0" anchor="ctr"/>
+          <a:lstStyle/>
+          <a:p>
+            <a:pPr algn="ctr"/>
+            <a:endParaRPr lang="en-US"/>
+          </a:p>
+        </p:txBody>
+      </p:sp>
     </p:spTree>
     <p:extLst>
       <p:ext uri="{BB962C8B-B14F-4D97-AF65-F5344CB8AC3E}">
-        <p14:creationId xmlns:p14="http://schemas.microsoft.com/office/powerpoint/2010/main" val="1497560472"/>
+        <p14:creationId xmlns:p14="http://schemas.microsoft.com/office/powerpoint/2010/main" val="3365599192"/>
       </p:ext>
     </p:extLst>
   </p:cSld>
@@ -9361,7 +8622,7 @@
                 </a:solidFill>
                 <a:latin typeface="+mj-lt"/>
               </a:rPr>
-              <a:t>Create </a:t>
+              <a:t>&gt; </a:t>
             </a:r>
             <a:r>
               <a:rPr lang="en-US" altLang="zh-TW" sz="1600" b="1" dirty="0" err="1">
@@ -9370,7 +8631,7 @@
                 </a:solidFill>
                 <a:latin typeface="+mj-lt"/>
               </a:rPr>
-              <a:t>rfce</a:t>
+              <a:t>npm</a:t>
             </a:r>
             <a:r>
               <a:rPr lang="en-US" altLang="zh-TW" sz="1600" b="1" dirty="0">
@@ -9379,7 +8640,7 @@
                 </a:solidFill>
                 <a:latin typeface="+mj-lt"/>
               </a:rPr>
-              <a:t> (React Functional Component with ES7)</a:t>
+              <a:t> start</a:t>
             </a:r>
           </a:p>
         </p:txBody>
@@ -9466,7 +8727,7 @@
             <a:fld id="{A4F910E6-8D00-4BAF-8C48-9688E0B449D3}" type="datetime1">
               <a:rPr lang="zh-TW" altLang="en-US" smtClean="0"/>
               <a:pPr/>
-              <a:t>2020/4/5</a:t>
+              <a:t>2020/5/17</a:t>
             </a:fld>
             <a:endParaRPr lang="zh-TW" altLang="en-US"/>
           </a:p>
@@ -9503,10 +8764,10 @@
       </p:sp>
       <p:pic>
         <p:nvPicPr>
-          <p:cNvPr id="7" name="Picture 6">
+          <p:cNvPr id="10" name="Picture 9">
             <a:extLst>
               <a:ext uri="{FF2B5EF4-FFF2-40B4-BE49-F238E27FC236}">
-                <a16:creationId xmlns:a16="http://schemas.microsoft.com/office/drawing/2014/main" id="{652D10B0-267E-47F8-B9BF-FAD060CF01B7}"/>
+                <a16:creationId xmlns:a16="http://schemas.microsoft.com/office/drawing/2014/main" id="{AD9B3165-AD02-4814-A0F6-149F2462AD55}"/>
               </a:ext>
             </a:extLst>
           </p:cNvPr>
@@ -9523,8 +8784,8 @@
         </p:blipFill>
         <p:spPr>
           <a:xfrm>
-            <a:off x="1551337" y="2350152"/>
-            <a:ext cx="4610100" cy="3076575"/>
+            <a:off x="1736499" y="2217458"/>
+            <a:ext cx="4781550" cy="1838325"/>
           </a:xfrm>
           <a:prstGeom prst="rect">
             <a:avLst/>
@@ -9536,114 +8797,10 @@
           </a:ln>
         </p:spPr>
       </p:pic>
-      <p:sp>
-        <p:nvSpPr>
-          <p:cNvPr id="8" name="Rectangle 7">
-            <a:extLst>
-              <a:ext uri="{FF2B5EF4-FFF2-40B4-BE49-F238E27FC236}">
-                <a16:creationId xmlns:a16="http://schemas.microsoft.com/office/drawing/2014/main" id="{2E7704D3-4DE4-4BDD-9C46-1B59597D2D50}"/>
-              </a:ext>
-            </a:extLst>
-          </p:cNvPr>
-          <p:cNvSpPr/>
-          <p:nvPr/>
-        </p:nvSpPr>
-        <p:spPr>
-          <a:xfrm>
-            <a:off x="3347864" y="3933056"/>
-            <a:ext cx="1440160" cy="432048"/>
-          </a:xfrm>
-          <a:prstGeom prst="rect">
-            <a:avLst/>
-          </a:prstGeom>
-          <a:noFill/>
-          <a:ln>
-            <a:solidFill>
-              <a:srgbClr val="C00000"/>
-            </a:solidFill>
-          </a:ln>
-        </p:spPr>
-        <p:style>
-          <a:lnRef idx="2">
-            <a:schemeClr val="accent1">
-              <a:shade val="50000"/>
-            </a:schemeClr>
-          </a:lnRef>
-          <a:fillRef idx="1">
-            <a:schemeClr val="accent1"/>
-          </a:fillRef>
-          <a:effectRef idx="0">
-            <a:schemeClr val="accent1"/>
-          </a:effectRef>
-          <a:fontRef idx="minor">
-            <a:schemeClr val="lt1"/>
-          </a:fontRef>
-        </p:style>
-        <p:txBody>
-          <a:bodyPr rtlCol="0" anchor="ctr"/>
-          <a:lstStyle/>
-          <a:p>
-            <a:pPr algn="ctr"/>
-            <a:endParaRPr lang="en-US"/>
-          </a:p>
-        </p:txBody>
-      </p:sp>
-      <p:sp>
-        <p:nvSpPr>
-          <p:cNvPr id="9" name="Rectangle 8">
-            <a:extLst>
-              <a:ext uri="{FF2B5EF4-FFF2-40B4-BE49-F238E27FC236}">
-                <a16:creationId xmlns:a16="http://schemas.microsoft.com/office/drawing/2014/main" id="{EEF80F1D-D205-48FA-8E3B-D08F64303927}"/>
-              </a:ext>
-            </a:extLst>
-          </p:cNvPr>
-          <p:cNvSpPr/>
-          <p:nvPr/>
-        </p:nvSpPr>
-        <p:spPr>
-          <a:xfrm>
-            <a:off x="2123728" y="3095047"/>
-            <a:ext cx="1944216" cy="261945"/>
-          </a:xfrm>
-          <a:prstGeom prst="rect">
-            <a:avLst/>
-          </a:prstGeom>
-          <a:noFill/>
-          <a:ln>
-            <a:solidFill>
-              <a:srgbClr val="C00000"/>
-            </a:solidFill>
-          </a:ln>
-        </p:spPr>
-        <p:style>
-          <a:lnRef idx="2">
-            <a:schemeClr val="accent1">
-              <a:shade val="50000"/>
-            </a:schemeClr>
-          </a:lnRef>
-          <a:fillRef idx="1">
-            <a:schemeClr val="accent1"/>
-          </a:fillRef>
-          <a:effectRef idx="0">
-            <a:schemeClr val="accent1"/>
-          </a:effectRef>
-          <a:fontRef idx="minor">
-            <a:schemeClr val="lt1"/>
-          </a:fontRef>
-        </p:style>
-        <p:txBody>
-          <a:bodyPr rtlCol="0" anchor="ctr"/>
-          <a:lstStyle/>
-          <a:p>
-            <a:pPr algn="ctr"/>
-            <a:endParaRPr lang="en-US"/>
-          </a:p>
-        </p:txBody>
-      </p:sp>
     </p:spTree>
     <p:extLst>
       <p:ext uri="{BB962C8B-B14F-4D97-AF65-F5344CB8AC3E}">
-        <p14:creationId xmlns:p14="http://schemas.microsoft.com/office/powerpoint/2010/main" val="3365599192"/>
+        <p14:creationId xmlns:p14="http://schemas.microsoft.com/office/powerpoint/2010/main" val="3388528239"/>
       </p:ext>
     </p:extLst>
   </p:cSld>
@@ -9682,6 +8839,157 @@
         </p:nvSpPr>
         <p:spPr>
           <a:xfrm>
+            <a:off x="0" y="2130425"/>
+            <a:ext cx="9144000" cy="1470025"/>
+          </a:xfrm>
+          <a:solidFill>
+            <a:srgbClr val="00B0F0"/>
+          </a:solidFill>
+        </p:spPr>
+        <p:txBody>
+          <a:bodyPr>
+            <a:normAutofit/>
+          </a:bodyPr>
+          <a:lstStyle/>
+          <a:p>
+            <a:r>
+              <a:rPr lang="en-US" altLang="zh-TW" sz="4800" b="1" dirty="0">
+                <a:solidFill>
+                  <a:srgbClr val="FFFF00"/>
+                </a:solidFill>
+              </a:rPr>
+              <a:t>20.1 Control CSS Component</a:t>
+            </a:r>
+            <a:endParaRPr lang="zh-TW" altLang="en-US" sz="4800" b="1" dirty="0">
+              <a:solidFill>
+                <a:srgbClr val="FFFF00"/>
+              </a:solidFill>
+            </a:endParaRPr>
+          </a:p>
+        </p:txBody>
+      </p:sp>
+      <p:sp>
+        <p:nvSpPr>
+          <p:cNvPr id="5" name="日期版面配置區 4"/>
+          <p:cNvSpPr>
+            <a:spLocks noGrp="1"/>
+          </p:cNvSpPr>
+          <p:nvPr>
+            <p:ph type="dt" sz="half" idx="10"/>
+          </p:nvPr>
+        </p:nvSpPr>
+        <p:spPr/>
+        <p:txBody>
+          <a:bodyPr/>
+          <a:lstStyle/>
+          <a:p>
+            <a:fld id="{C389EDC9-19E3-47AC-9C57-C6A24DEA81AD}" type="datetime1">
+              <a:rPr lang="zh-TW" altLang="en-US" smtClean="0"/>
+              <a:pPr/>
+              <a:t>2020/5/17</a:t>
+            </a:fld>
+            <a:endParaRPr lang="zh-TW" altLang="en-US"/>
+          </a:p>
+        </p:txBody>
+      </p:sp>
+      <p:sp>
+        <p:nvSpPr>
+          <p:cNvPr id="6" name="投影片編號版面配置區 5"/>
+          <p:cNvSpPr>
+            <a:spLocks noGrp="1"/>
+          </p:cNvSpPr>
+          <p:nvPr>
+            <p:ph type="sldNum" sz="quarter" idx="12"/>
+          </p:nvPr>
+        </p:nvSpPr>
+        <p:spPr/>
+        <p:txBody>
+          <a:bodyPr/>
+          <a:lstStyle/>
+          <a:p>
+            <a:fld id="{E4D7E63D-91F2-4366-A2C4-1B00C9E2590E}" type="slidenum">
+              <a:rPr lang="zh-TW" altLang="en-US" smtClean="0"/>
+              <a:pPr/>
+              <a:t>7</a:t>
+            </a:fld>
+            <a:endParaRPr lang="zh-TW" altLang="en-US"/>
+          </a:p>
+        </p:txBody>
+      </p:sp>
+      <p:pic>
+        <p:nvPicPr>
+          <p:cNvPr id="2050" name="Picture 2"/>
+          <p:cNvPicPr>
+            <a:picLocks noChangeAspect="1" noChangeArrowheads="1"/>
+          </p:cNvPicPr>
+          <p:nvPr/>
+        </p:nvPicPr>
+        <p:blipFill>
+          <a:blip r:embed="rId2" cstate="print"/>
+          <a:srcRect/>
+          <a:stretch>
+            <a:fillRect/>
+          </a:stretch>
+        </p:blipFill>
+        <p:spPr bwMode="auto">
+          <a:xfrm>
+            <a:off x="4283968" y="3717032"/>
+            <a:ext cx="713805" cy="644588"/>
+          </a:xfrm>
+          <a:prstGeom prst="rect">
+            <a:avLst/>
+          </a:prstGeom>
+          <a:noFill/>
+          <a:ln w="9525">
+            <a:noFill/>
+            <a:miter lim="800000"/>
+            <a:headEnd/>
+            <a:tailEnd/>
+          </a:ln>
+        </p:spPr>
+      </p:pic>
+    </p:spTree>
+    <p:extLst>
+      <p:ext uri="{BB962C8B-B14F-4D97-AF65-F5344CB8AC3E}">
+        <p14:creationId xmlns:p14="http://schemas.microsoft.com/office/powerpoint/2010/main" val="4194380147"/>
+      </p:ext>
+    </p:extLst>
+  </p:cSld>
+  <p:clrMapOvr>
+    <a:masterClrMapping/>
+  </p:clrMapOvr>
+</p:sld>
+</file>
+
+<file path=ppt/slides/slide8.xml><?xml version="1.0" encoding="utf-8"?>
+<p:sld xmlns:a="http://schemas.openxmlformats.org/drawingml/2006/main" xmlns:r="http://schemas.openxmlformats.org/officeDocument/2006/relationships" xmlns:p="http://schemas.openxmlformats.org/presentationml/2006/main">
+  <p:cSld>
+    <p:spTree>
+      <p:nvGrpSpPr>
+        <p:cNvPr id="1" name=""/>
+        <p:cNvGrpSpPr/>
+        <p:nvPr/>
+      </p:nvGrpSpPr>
+      <p:grpSpPr>
+        <a:xfrm>
+          <a:off x="0" y="0"/>
+          <a:ext cx="0" cy="0"/>
+          <a:chOff x="0" y="0"/>
+          <a:chExt cx="0" cy="0"/>
+        </a:xfrm>
+      </p:grpSpPr>
+      <p:sp>
+        <p:nvSpPr>
+          <p:cNvPr id="2" name="標題 1"/>
+          <p:cNvSpPr>
+            <a:spLocks noGrp="1"/>
+          </p:cNvSpPr>
+          <p:nvPr>
+            <p:ph type="ctrTitle"/>
+          </p:nvPr>
+        </p:nvSpPr>
+        <p:spPr>
+          <a:xfrm>
             <a:off x="0" y="1"/>
             <a:ext cx="9144000" cy="764704"/>
           </a:xfrm>
@@ -9725,7 +9033,7 @@
                   <a:srgbClr val="FFFF00"/>
                 </a:solidFill>
               </a:rPr>
-              <a:t>20 Styling CSS Component</a:t>
+              <a:t>20.1 Control CSS Component</a:t>
             </a:r>
             <a:endParaRPr lang="zh-TW" altLang="en-US" b="1" dirty="0">
               <a:solidFill>
@@ -9796,25 +9104,7 @@
                 </a:solidFill>
                 <a:latin typeface="+mj-lt"/>
               </a:rPr>
-              <a:t>&gt; </a:t>
-            </a:r>
-            <a:r>
-              <a:rPr lang="en-US" altLang="zh-TW" sz="1600" b="1" dirty="0" err="1">
-                <a:solidFill>
-                  <a:schemeClr val="tx1"/>
-                </a:solidFill>
-                <a:latin typeface="+mj-lt"/>
-              </a:rPr>
-              <a:t>npm</a:t>
-            </a:r>
-            <a:r>
-              <a:rPr lang="en-US" altLang="zh-TW" sz="1600" b="1" dirty="0">
-                <a:solidFill>
-                  <a:schemeClr val="tx1"/>
-                </a:solidFill>
-                <a:latin typeface="+mj-lt"/>
-              </a:rPr>
-              <a:t> start</a:t>
+              <a:t>Pass props primary={false}</a:t>
             </a:r>
           </a:p>
         </p:txBody>
@@ -9901,7 +9191,7 @@
             <a:fld id="{A4F910E6-8D00-4BAF-8C48-9688E0B449D3}" type="datetime1">
               <a:rPr lang="zh-TW" altLang="en-US" smtClean="0"/>
               <a:pPr/>
-              <a:t>2020/4/5</a:t>
+              <a:t>2020/5/17</a:t>
             </a:fld>
             <a:endParaRPr lang="zh-TW" altLang="en-US"/>
           </a:p>
@@ -9930,7 +9220,7 @@
             <a:fld id="{E4D7E63D-91F2-4366-A2C4-1B00C9E2590E}" type="slidenum">
               <a:rPr lang="zh-TW" altLang="en-US" smtClean="0"/>
               <a:pPr/>
-              <a:t>7</a:t>
+              <a:t>8</a:t>
             </a:fld>
             <a:endParaRPr lang="zh-TW" altLang="en-US"/>
           </a:p>
@@ -9938,10 +9228,10 @@
       </p:sp>
       <p:pic>
         <p:nvPicPr>
-          <p:cNvPr id="10" name="Picture 9">
+          <p:cNvPr id="7" name="Picture 6">
             <a:extLst>
               <a:ext uri="{FF2B5EF4-FFF2-40B4-BE49-F238E27FC236}">
-                <a16:creationId xmlns:a16="http://schemas.microsoft.com/office/drawing/2014/main" id="{AD9B3165-AD02-4814-A0F6-149F2462AD55}"/>
+                <a16:creationId xmlns:a16="http://schemas.microsoft.com/office/drawing/2014/main" id="{E5B22616-F41A-4060-A35F-2C78BE934F03}"/>
               </a:ext>
             </a:extLst>
           </p:cNvPr>
@@ -9958,8 +9248,8 @@
         </p:blipFill>
         <p:spPr>
           <a:xfrm>
-            <a:off x="1736499" y="2217458"/>
-            <a:ext cx="4781550" cy="1838325"/>
+            <a:off x="467544" y="2200813"/>
+            <a:ext cx="4347567" cy="4015571"/>
           </a:xfrm>
           <a:prstGeom prst="rect">
             <a:avLst/>
@@ -9971,161 +9261,45 @@
           </a:ln>
         </p:spPr>
       </p:pic>
-    </p:spTree>
-    <p:extLst>
-      <p:ext uri="{BB962C8B-B14F-4D97-AF65-F5344CB8AC3E}">
-        <p14:creationId xmlns:p14="http://schemas.microsoft.com/office/powerpoint/2010/main" val="3388528239"/>
-      </p:ext>
-    </p:extLst>
-  </p:cSld>
-  <p:clrMapOvr>
-    <a:masterClrMapping/>
-  </p:clrMapOvr>
-</p:sld>
-</file>
-
-<file path=ppt/slides/slide8.xml><?xml version="1.0" encoding="utf-8"?>
-<p:sld xmlns:a="http://schemas.openxmlformats.org/drawingml/2006/main" xmlns:r="http://schemas.openxmlformats.org/officeDocument/2006/relationships" xmlns:p="http://schemas.openxmlformats.org/presentationml/2006/main">
-  <p:cSld>
-    <p:spTree>
-      <p:nvGrpSpPr>
-        <p:cNvPr id="1" name=""/>
-        <p:cNvGrpSpPr/>
-        <p:nvPr/>
-      </p:nvGrpSpPr>
-      <p:grpSpPr>
-        <a:xfrm>
-          <a:off x="0" y="0"/>
-          <a:ext cx="0" cy="0"/>
-          <a:chOff x="0" y="0"/>
-          <a:chExt cx="0" cy="0"/>
-        </a:xfrm>
-      </p:grpSpPr>
-      <p:sp>
-        <p:nvSpPr>
-          <p:cNvPr id="2" name="標題 1"/>
-          <p:cNvSpPr>
-            <a:spLocks noGrp="1"/>
-          </p:cNvSpPr>
-          <p:nvPr>
-            <p:ph type="ctrTitle"/>
-          </p:nvPr>
-        </p:nvSpPr>
-        <p:spPr>
-          <a:xfrm>
-            <a:off x="0" y="2130425"/>
-            <a:ext cx="9144000" cy="1470025"/>
-          </a:xfrm>
-          <a:solidFill>
-            <a:srgbClr val="00B0F0"/>
-          </a:solidFill>
-        </p:spPr>
-        <p:txBody>
-          <a:bodyPr>
-            <a:normAutofit/>
-          </a:bodyPr>
-          <a:lstStyle/>
-          <a:p>
-            <a:r>
-              <a:rPr lang="en-US" altLang="zh-TW" sz="4800" b="1" dirty="0">
-                <a:solidFill>
-                  <a:srgbClr val="FFFF00"/>
-                </a:solidFill>
-              </a:rPr>
-              <a:t>20.1 Control CSS Component</a:t>
-            </a:r>
-            <a:endParaRPr lang="zh-TW" altLang="en-US" sz="4800" b="1" dirty="0">
-              <a:solidFill>
-                <a:srgbClr val="FFFF00"/>
-              </a:solidFill>
-            </a:endParaRPr>
-          </a:p>
-        </p:txBody>
-      </p:sp>
-      <p:sp>
-        <p:nvSpPr>
-          <p:cNvPr id="5" name="日期版面配置區 4"/>
-          <p:cNvSpPr>
-            <a:spLocks noGrp="1"/>
-          </p:cNvSpPr>
-          <p:nvPr>
-            <p:ph type="dt" sz="half" idx="10"/>
-          </p:nvPr>
-        </p:nvSpPr>
-        <p:spPr/>
-        <p:txBody>
-          <a:bodyPr/>
-          <a:lstStyle/>
-          <a:p>
-            <a:fld id="{C389EDC9-19E3-47AC-9C57-C6A24DEA81AD}" type="datetime1">
-              <a:rPr lang="zh-TW" altLang="en-US" smtClean="0"/>
-              <a:pPr/>
-              <a:t>2020/4/5</a:t>
-            </a:fld>
-            <a:endParaRPr lang="zh-TW" altLang="en-US"/>
-          </a:p>
-        </p:txBody>
-      </p:sp>
-      <p:sp>
-        <p:nvSpPr>
-          <p:cNvPr id="6" name="投影片編號版面配置區 5"/>
-          <p:cNvSpPr>
-            <a:spLocks noGrp="1"/>
-          </p:cNvSpPr>
-          <p:nvPr>
-            <p:ph type="sldNum" sz="quarter" idx="12"/>
-          </p:nvPr>
-        </p:nvSpPr>
-        <p:spPr/>
-        <p:txBody>
-          <a:bodyPr/>
-          <a:lstStyle/>
-          <a:p>
-            <a:fld id="{E4D7E63D-91F2-4366-A2C4-1B00C9E2590E}" type="slidenum">
-              <a:rPr lang="zh-TW" altLang="en-US" smtClean="0"/>
-              <a:pPr/>
-              <a:t>8</a:t>
-            </a:fld>
-            <a:endParaRPr lang="zh-TW" altLang="en-US"/>
-          </a:p>
-        </p:txBody>
-      </p:sp>
       <p:pic>
         <p:nvPicPr>
-          <p:cNvPr id="2050" name="Picture 2"/>
+          <p:cNvPr id="9" name="Picture 8">
+            <a:extLst>
+              <a:ext uri="{FF2B5EF4-FFF2-40B4-BE49-F238E27FC236}">
+                <a16:creationId xmlns:a16="http://schemas.microsoft.com/office/drawing/2014/main" id="{7C32880A-54C2-4CEB-9500-C2FC0D722006}"/>
+              </a:ext>
+            </a:extLst>
+          </p:cNvPr>
           <p:cNvPicPr>
-            <a:picLocks noChangeAspect="1" noChangeArrowheads="1"/>
+            <a:picLocks noChangeAspect="1"/>
           </p:cNvPicPr>
           <p:nvPr/>
         </p:nvPicPr>
         <p:blipFill>
-          <a:blip r:embed="rId2" cstate="print"/>
-          <a:srcRect/>
+          <a:blip r:embed="rId4"/>
           <a:stretch>
             <a:fillRect/>
           </a:stretch>
         </p:blipFill>
-        <p:spPr bwMode="auto">
-          <a:xfrm>
-            <a:off x="4283968" y="3717032"/>
-            <a:ext cx="713805" cy="644588"/>
+        <p:spPr>
+          <a:xfrm>
+            <a:off x="4572000" y="2187468"/>
+            <a:ext cx="3912505" cy="2347503"/>
           </a:xfrm>
           <a:prstGeom prst="rect">
             <a:avLst/>
           </a:prstGeom>
-          <a:noFill/>
-          <a:ln w="9525">
-            <a:noFill/>
-            <a:miter lim="800000"/>
-            <a:headEnd/>
-            <a:tailEnd/>
+          <a:ln>
+            <a:solidFill>
+              <a:srgbClr val="C00000"/>
+            </a:solidFill>
           </a:ln>
         </p:spPr>
       </p:pic>
     </p:spTree>
     <p:extLst>
       <p:ext uri="{BB962C8B-B14F-4D97-AF65-F5344CB8AC3E}">
-        <p14:creationId xmlns:p14="http://schemas.microsoft.com/office/powerpoint/2010/main" val="4194380147"/>
+        <p14:creationId xmlns:p14="http://schemas.microsoft.com/office/powerpoint/2010/main" val="1086879147"/>
       </p:ext>
     </p:extLst>
   </p:cSld>
@@ -10278,7 +9452,43 @@
                 </a:solidFill>
                 <a:latin typeface="+mj-lt"/>
               </a:rPr>
-              <a:t>Pass props primary={false}</a:t>
+              <a:t>Let </a:t>
+            </a:r>
+            <a:r>
+              <a:rPr lang="en-US" altLang="zh-TW" sz="1600" b="1" dirty="0" err="1">
+                <a:solidFill>
+                  <a:schemeClr val="tx1"/>
+                </a:solidFill>
+                <a:latin typeface="+mj-lt"/>
+              </a:rPr>
+              <a:t>className</a:t>
+            </a:r>
+            <a:r>
+              <a:rPr lang="en-US" altLang="zh-TW" sz="1600" b="1" dirty="0">
+                <a:solidFill>
+                  <a:schemeClr val="tx1"/>
+                </a:solidFill>
+                <a:latin typeface="+mj-lt"/>
+              </a:rPr>
+              <a:t> = </a:t>
+            </a:r>
+            <a:r>
+              <a:rPr lang="en-US" altLang="zh-TW" sz="1600" b="1" dirty="0" err="1">
+                <a:solidFill>
+                  <a:schemeClr val="tx1"/>
+                </a:solidFill>
+                <a:latin typeface="+mj-lt"/>
+              </a:rPr>
+              <a:t>props.primary</a:t>
+            </a:r>
+            <a:r>
+              <a:rPr lang="en-US" altLang="zh-TW" sz="1600" b="1" dirty="0">
+                <a:solidFill>
+                  <a:schemeClr val="tx1"/>
+                </a:solidFill>
+                <a:latin typeface="+mj-lt"/>
+              </a:rPr>
+              <a:t> ? ‘primary’ : ‘’</a:t>
             </a:r>
           </a:p>
         </p:txBody>
@@ -10365,7 +9575,7 @@
             <a:fld id="{A4F910E6-8D00-4BAF-8C48-9688E0B449D3}" type="datetime1">
               <a:rPr lang="zh-TW" altLang="en-US" smtClean="0"/>
               <a:pPr/>
-              <a:t>2020/4/5</a:t>
+              <a:t>2020/5/17</a:t>
             </a:fld>
             <a:endParaRPr lang="zh-TW" altLang="en-US"/>
           </a:p>
@@ -10402,10 +9612,10 @@
       </p:sp>
       <p:pic>
         <p:nvPicPr>
-          <p:cNvPr id="7" name="Picture 6">
+          <p:cNvPr id="8" name="Picture 7">
             <a:extLst>
               <a:ext uri="{FF2B5EF4-FFF2-40B4-BE49-F238E27FC236}">
-                <a16:creationId xmlns:a16="http://schemas.microsoft.com/office/drawing/2014/main" id="{E5B22616-F41A-4060-A35F-2C78BE934F03}"/>
+                <a16:creationId xmlns:a16="http://schemas.microsoft.com/office/drawing/2014/main" id="{49ED0234-149D-4C27-9E92-BB69ED22A10A}"/>
               </a:ext>
             </a:extLst>
           </p:cNvPr>
@@ -10422,8 +9632,8 @@
         </p:blipFill>
         <p:spPr>
           <a:xfrm>
-            <a:off x="467544" y="2200813"/>
-            <a:ext cx="4347567" cy="4015571"/>
+            <a:off x="352424" y="2227911"/>
+            <a:ext cx="4981575" cy="3105150"/>
           </a:xfrm>
           <a:prstGeom prst="rect">
             <a:avLst/>
@@ -10435,12 +9645,161 @@
           </a:ln>
         </p:spPr>
       </p:pic>
+      <p:sp>
+        <p:nvSpPr>
+          <p:cNvPr id="9" name="Rectangle 8">
+            <a:extLst>
+              <a:ext uri="{FF2B5EF4-FFF2-40B4-BE49-F238E27FC236}">
+                <a16:creationId xmlns:a16="http://schemas.microsoft.com/office/drawing/2014/main" id="{9EEF46CB-D215-4230-A74D-4C3011099F56}"/>
+              </a:ext>
+            </a:extLst>
+          </p:cNvPr>
+          <p:cNvSpPr/>
+          <p:nvPr/>
+        </p:nvSpPr>
+        <p:spPr>
+          <a:xfrm>
+            <a:off x="2416696" y="3915511"/>
+            <a:ext cx="936104" cy="288032"/>
+          </a:xfrm>
+          <a:prstGeom prst="rect">
+            <a:avLst/>
+          </a:prstGeom>
+          <a:noFill/>
+          <a:ln>
+            <a:solidFill>
+              <a:srgbClr val="C00000"/>
+            </a:solidFill>
+          </a:ln>
+        </p:spPr>
+        <p:style>
+          <a:lnRef idx="2">
+            <a:schemeClr val="accent1">
+              <a:shade val="50000"/>
+            </a:schemeClr>
+          </a:lnRef>
+          <a:fillRef idx="1">
+            <a:schemeClr val="accent1"/>
+          </a:fillRef>
+          <a:effectRef idx="0">
+            <a:schemeClr val="accent1"/>
+          </a:effectRef>
+          <a:fontRef idx="minor">
+            <a:schemeClr val="lt1"/>
+          </a:fontRef>
+        </p:style>
+        <p:txBody>
+          <a:bodyPr rtlCol="0" anchor="ctr"/>
+          <a:lstStyle/>
+          <a:p>
+            <a:pPr algn="ctr"/>
+            <a:endParaRPr lang="en-US"/>
+          </a:p>
+        </p:txBody>
+      </p:sp>
+      <p:sp>
+        <p:nvSpPr>
+          <p:cNvPr id="10" name="Rectangle 9">
+            <a:extLst>
+              <a:ext uri="{FF2B5EF4-FFF2-40B4-BE49-F238E27FC236}">
+                <a16:creationId xmlns:a16="http://schemas.microsoft.com/office/drawing/2014/main" id="{1DA55D33-552D-4C53-A930-E7D54C28D83F}"/>
+              </a:ext>
+            </a:extLst>
+          </p:cNvPr>
+          <p:cNvSpPr/>
+          <p:nvPr/>
+        </p:nvSpPr>
+        <p:spPr>
+          <a:xfrm>
+            <a:off x="1192560" y="3398966"/>
+            <a:ext cx="3528392" cy="288032"/>
+          </a:xfrm>
+          <a:prstGeom prst="rect">
+            <a:avLst/>
+          </a:prstGeom>
+          <a:noFill/>
+          <a:ln>
+            <a:solidFill>
+              <a:srgbClr val="C00000"/>
+            </a:solidFill>
+          </a:ln>
+        </p:spPr>
+        <p:style>
+          <a:lnRef idx="2">
+            <a:schemeClr val="accent1">
+              <a:shade val="50000"/>
+            </a:schemeClr>
+          </a:lnRef>
+          <a:fillRef idx="1">
+            <a:schemeClr val="accent1"/>
+          </a:fillRef>
+          <a:effectRef idx="0">
+            <a:schemeClr val="accent1"/>
+          </a:effectRef>
+          <a:fontRef idx="minor">
+            <a:schemeClr val="lt1"/>
+          </a:fontRef>
+        </p:style>
+        <p:txBody>
+          <a:bodyPr rtlCol="0" anchor="ctr"/>
+          <a:lstStyle/>
+          <a:p>
+            <a:pPr algn="ctr"/>
+            <a:endParaRPr lang="en-US"/>
+          </a:p>
+        </p:txBody>
+      </p:sp>
+      <p:cxnSp>
+        <p:nvCxnSpPr>
+          <p:cNvPr id="12" name="Straight Arrow Connector 11">
+            <a:extLst>
+              <a:ext uri="{FF2B5EF4-FFF2-40B4-BE49-F238E27FC236}">
+                <a16:creationId xmlns:a16="http://schemas.microsoft.com/office/drawing/2014/main" id="{33D4FAF3-5F28-43C9-9A98-E9C105BF6E4D}"/>
+              </a:ext>
+            </a:extLst>
+          </p:cNvPr>
+          <p:cNvCxnSpPr>
+            <a:stCxn id="10" idx="2"/>
+            <a:endCxn id="9" idx="0"/>
+          </p:cNvCxnSpPr>
+          <p:nvPr/>
+        </p:nvCxnSpPr>
+        <p:spPr>
+          <a:xfrm flipH="1">
+            <a:off x="2884748" y="3686998"/>
+            <a:ext cx="72008" cy="228513"/>
+          </a:xfrm>
+          <a:prstGeom prst="straightConnector1">
+            <a:avLst/>
+          </a:prstGeom>
+          <a:ln>
+            <a:solidFill>
+              <a:srgbClr val="C00000"/>
+            </a:solidFill>
+            <a:tailEnd type="triangle"/>
+          </a:ln>
+        </p:spPr>
+        <p:style>
+          <a:lnRef idx="1">
+            <a:schemeClr val="accent1"/>
+          </a:lnRef>
+          <a:fillRef idx="0">
+            <a:schemeClr val="accent1"/>
+          </a:fillRef>
+          <a:effectRef idx="0">
+            <a:schemeClr val="accent1"/>
+          </a:effectRef>
+          <a:fontRef idx="minor">
+            <a:schemeClr val="tx1"/>
+          </a:fontRef>
+        </p:style>
+      </p:cxnSp>
       <p:pic>
         <p:nvPicPr>
-          <p:cNvPr id="9" name="Picture 8">
+          <p:cNvPr id="13" name="Picture 12">
             <a:extLst>
               <a:ext uri="{FF2B5EF4-FFF2-40B4-BE49-F238E27FC236}">
-                <a16:creationId xmlns:a16="http://schemas.microsoft.com/office/drawing/2014/main" id="{7C32880A-54C2-4CEB-9500-C2FC0D722006}"/>
+                <a16:creationId xmlns:a16="http://schemas.microsoft.com/office/drawing/2014/main" id="{EFAF358E-B4AA-43AD-8E3B-326EF0C4570F}"/>
               </a:ext>
             </a:extLst>
           </p:cNvPr>
@@ -10457,8 +9816,8 @@
         </p:blipFill>
         <p:spPr>
           <a:xfrm>
-            <a:off x="4572000" y="2187468"/>
-            <a:ext cx="3912505" cy="2347503"/>
+            <a:off x="5554924" y="2187319"/>
+            <a:ext cx="3182863" cy="1147606"/>
           </a:xfrm>
           <a:prstGeom prst="rect">
             <a:avLst/>
@@ -10470,10 +9829,258 @@
           </a:ln>
         </p:spPr>
       </p:pic>
+      <p:pic>
+        <p:nvPicPr>
+          <p:cNvPr id="14" name="Picture 13">
+            <a:extLst>
+              <a:ext uri="{FF2B5EF4-FFF2-40B4-BE49-F238E27FC236}">
+                <a16:creationId xmlns:a16="http://schemas.microsoft.com/office/drawing/2014/main" id="{99C40281-B479-4BA7-9EBE-A3F44E29B029}"/>
+              </a:ext>
+            </a:extLst>
+          </p:cNvPr>
+          <p:cNvPicPr>
+            <a:picLocks noChangeAspect="1"/>
+          </p:cNvPicPr>
+          <p:nvPr/>
+        </p:nvPicPr>
+        <p:blipFill>
+          <a:blip r:embed="rId5"/>
+          <a:stretch>
+            <a:fillRect/>
+          </a:stretch>
+        </p:blipFill>
+        <p:spPr>
+          <a:xfrm>
+            <a:off x="5554923" y="3542982"/>
+            <a:ext cx="3182863" cy="1223691"/>
+          </a:xfrm>
+          <a:prstGeom prst="rect">
+            <a:avLst/>
+          </a:prstGeom>
+          <a:ln>
+            <a:solidFill>
+              <a:srgbClr val="C00000"/>
+            </a:solidFill>
+          </a:ln>
+        </p:spPr>
+      </p:pic>
+      <p:cxnSp>
+        <p:nvCxnSpPr>
+          <p:cNvPr id="16" name="Straight Arrow Connector 15">
+            <a:extLst>
+              <a:ext uri="{FF2B5EF4-FFF2-40B4-BE49-F238E27FC236}">
+                <a16:creationId xmlns:a16="http://schemas.microsoft.com/office/drawing/2014/main" id="{157D6CF3-6B00-4217-A5C0-A134B2D394E4}"/>
+              </a:ext>
+            </a:extLst>
+          </p:cNvPr>
+          <p:cNvCxnSpPr>
+            <a:cxnSpLocks/>
+            <a:stCxn id="9" idx="3"/>
+            <a:endCxn id="13" idx="1"/>
+          </p:cNvCxnSpPr>
+          <p:nvPr/>
+        </p:nvCxnSpPr>
+        <p:spPr>
+          <a:xfrm flipV="1">
+            <a:off x="3352800" y="2761122"/>
+            <a:ext cx="2202124" cy="1298405"/>
+          </a:xfrm>
+          <a:prstGeom prst="straightConnector1">
+            <a:avLst/>
+          </a:prstGeom>
+          <a:ln>
+            <a:tailEnd type="triangle"/>
+          </a:ln>
+        </p:spPr>
+        <p:style>
+          <a:lnRef idx="1">
+            <a:schemeClr val="accent1"/>
+          </a:lnRef>
+          <a:fillRef idx="0">
+            <a:schemeClr val="accent1"/>
+          </a:fillRef>
+          <a:effectRef idx="0">
+            <a:schemeClr val="accent1"/>
+          </a:effectRef>
+          <a:fontRef idx="minor">
+            <a:schemeClr val="tx1"/>
+          </a:fontRef>
+        </p:style>
+      </p:cxnSp>
+      <p:cxnSp>
+        <p:nvCxnSpPr>
+          <p:cNvPr id="19" name="Straight Arrow Connector 18">
+            <a:extLst>
+              <a:ext uri="{FF2B5EF4-FFF2-40B4-BE49-F238E27FC236}">
+                <a16:creationId xmlns:a16="http://schemas.microsoft.com/office/drawing/2014/main" id="{0153DAC8-6AC4-40EA-B7F5-BE6F1C9A1E49}"/>
+              </a:ext>
+            </a:extLst>
+          </p:cNvPr>
+          <p:cNvCxnSpPr>
+            <a:endCxn id="14" idx="1"/>
+          </p:cNvCxnSpPr>
+          <p:nvPr/>
+        </p:nvCxnSpPr>
+        <p:spPr>
+          <a:xfrm>
+            <a:off x="3352800" y="4077072"/>
+            <a:ext cx="2202123" cy="77756"/>
+          </a:xfrm>
+          <a:prstGeom prst="straightConnector1">
+            <a:avLst/>
+          </a:prstGeom>
+          <a:ln>
+            <a:tailEnd type="triangle"/>
+          </a:ln>
+        </p:spPr>
+        <p:style>
+          <a:lnRef idx="1">
+            <a:schemeClr val="accent1"/>
+          </a:lnRef>
+          <a:fillRef idx="0">
+            <a:schemeClr val="accent1"/>
+          </a:fillRef>
+          <a:effectRef idx="0">
+            <a:schemeClr val="accent1"/>
+          </a:effectRef>
+          <a:fontRef idx="minor">
+            <a:schemeClr val="tx1"/>
+          </a:fontRef>
+        </p:style>
+      </p:cxnSp>
+      <p:sp>
+        <p:nvSpPr>
+          <p:cNvPr id="20" name="Rectangle 19">
+            <a:extLst>
+              <a:ext uri="{FF2B5EF4-FFF2-40B4-BE49-F238E27FC236}">
+                <a16:creationId xmlns:a16="http://schemas.microsoft.com/office/drawing/2014/main" id="{B77646A8-C2DF-4512-B66C-9EAC8FD33F1C}"/>
+              </a:ext>
+            </a:extLst>
+          </p:cNvPr>
+          <p:cNvSpPr/>
+          <p:nvPr/>
+        </p:nvSpPr>
+        <p:spPr>
+          <a:xfrm>
+            <a:off x="2633198" y="2055251"/>
+            <a:ext cx="2700801" cy="628257"/>
+          </a:xfrm>
+          <a:prstGeom prst="rect">
+            <a:avLst/>
+          </a:prstGeom>
+          <a:solidFill>
+            <a:schemeClr val="bg1"/>
+          </a:solidFill>
+          <a:ln>
+            <a:solidFill>
+              <a:srgbClr val="C00000"/>
+            </a:solidFill>
+          </a:ln>
+        </p:spPr>
+        <p:style>
+          <a:lnRef idx="2">
+            <a:schemeClr val="accent1">
+              <a:shade val="50000"/>
+            </a:schemeClr>
+          </a:lnRef>
+          <a:fillRef idx="1">
+            <a:schemeClr val="accent1"/>
+          </a:fillRef>
+          <a:effectRef idx="0">
+            <a:schemeClr val="accent1"/>
+          </a:effectRef>
+          <a:fontRef idx="minor">
+            <a:schemeClr val="lt1"/>
+          </a:fontRef>
+        </p:style>
+        <p:txBody>
+          <a:bodyPr rtlCol="0" anchor="ctr"/>
+          <a:lstStyle/>
+          <a:p>
+            <a:r>
+              <a:rPr lang="en-US" dirty="0" err="1">
+                <a:solidFill>
+                  <a:schemeClr val="tx1"/>
+                </a:solidFill>
+              </a:rPr>
+              <a:t>props.primary</a:t>
+            </a:r>
+            <a:r>
+              <a:rPr lang="en-US" dirty="0">
+                <a:solidFill>
+                  <a:schemeClr val="tx1"/>
+                </a:solidFill>
+              </a:rPr>
+              <a:t> = { true }</a:t>
+            </a:r>
+          </a:p>
+          <a:p>
+            <a:r>
+              <a:rPr lang="en-US" dirty="0" err="1">
+                <a:solidFill>
+                  <a:schemeClr val="tx1"/>
+                </a:solidFill>
+              </a:rPr>
+              <a:t>props.primary</a:t>
+            </a:r>
+            <a:r>
+              <a:rPr lang="en-US" dirty="0">
+                <a:solidFill>
+                  <a:schemeClr val="tx1"/>
+                </a:solidFill>
+              </a:rPr>
+              <a:t> = { false }</a:t>
+            </a:r>
+          </a:p>
+        </p:txBody>
+      </p:sp>
+      <p:cxnSp>
+        <p:nvCxnSpPr>
+          <p:cNvPr id="22" name="Straight Arrow Connector 21">
+            <a:extLst>
+              <a:ext uri="{FF2B5EF4-FFF2-40B4-BE49-F238E27FC236}">
+                <a16:creationId xmlns:a16="http://schemas.microsoft.com/office/drawing/2014/main" id="{A8FE18AA-7E56-4FCA-941C-759E4BD42012}"/>
+              </a:ext>
+            </a:extLst>
+          </p:cNvPr>
+          <p:cNvCxnSpPr>
+            <a:cxnSpLocks/>
+            <a:stCxn id="20" idx="2"/>
+            <a:endCxn id="10" idx="0"/>
+          </p:cNvCxnSpPr>
+          <p:nvPr/>
+        </p:nvCxnSpPr>
+        <p:spPr>
+          <a:xfrm flipH="1">
+            <a:off x="2956756" y="2683508"/>
+            <a:ext cx="1026843" cy="715458"/>
+          </a:xfrm>
+          <a:prstGeom prst="straightConnector1">
+            <a:avLst/>
+          </a:prstGeom>
+          <a:ln>
+            <a:tailEnd type="triangle"/>
+          </a:ln>
+        </p:spPr>
+        <p:style>
+          <a:lnRef idx="1">
+            <a:schemeClr val="accent1"/>
+          </a:lnRef>
+          <a:fillRef idx="0">
+            <a:schemeClr val="accent1"/>
+          </a:fillRef>
+          <a:effectRef idx="0">
+            <a:schemeClr val="accent1"/>
+          </a:effectRef>
+          <a:fontRef idx="minor">
+            <a:schemeClr val="tx1"/>
+          </a:fontRef>
+        </p:style>
+      </p:cxnSp>
     </p:spTree>
     <p:extLst>
       <p:ext uri="{BB962C8B-B14F-4D97-AF65-F5344CB8AC3E}">
-        <p14:creationId xmlns:p14="http://schemas.microsoft.com/office/powerpoint/2010/main" val="1086879147"/>
+        <p14:creationId xmlns:p14="http://schemas.microsoft.com/office/powerpoint/2010/main" val="2911354282"/>
       </p:ext>
     </p:extLst>
   </p:cSld>
